--- a/Docker Presentation.pptx
+++ b/Docker Presentation.pptx
@@ -4,6 +4,9 @@
   <p:sldMasterIdLst>
     <p:sldMasterId id="2147483648" r:id="rId1"/>
   </p:sldMasterIdLst>
+  <p:notesMasterIdLst>
+    <p:notesMasterId r:id="rId39"/>
+  </p:notesMasterIdLst>
   <p:sldIdLst>
     <p:sldId id="256" r:id="rId2"/>
     <p:sldId id="257" r:id="rId3"/>
@@ -27,7 +30,21 @@
     <p:sldId id="277" r:id="rId21"/>
     <p:sldId id="278" r:id="rId22"/>
     <p:sldId id="280" r:id="rId23"/>
-    <p:sldId id="269" r:id="rId24"/>
+    <p:sldId id="281" r:id="rId24"/>
+    <p:sldId id="282" r:id="rId25"/>
+    <p:sldId id="284" r:id="rId26"/>
+    <p:sldId id="283" r:id="rId27"/>
+    <p:sldId id="285" r:id="rId28"/>
+    <p:sldId id="286" r:id="rId29"/>
+    <p:sldId id="289" r:id="rId30"/>
+    <p:sldId id="291" r:id="rId31"/>
+    <p:sldId id="290" r:id="rId32"/>
+    <p:sldId id="287" r:id="rId33"/>
+    <p:sldId id="292" r:id="rId34"/>
+    <p:sldId id="293" r:id="rId35"/>
+    <p:sldId id="294" r:id="rId36"/>
+    <p:sldId id="295" r:id="rId37"/>
+    <p:sldId id="269" r:id="rId38"/>
   </p:sldIdLst>
   <p:sldSz cx="9144000" cy="6858000" type="screen4x3"/>
   <p:notesSz cx="6858000" cy="9144000"/>
@@ -129,6 +146,440 @@
 </p:presentation>
 </file>
 
+<file path=ppt/notesMasters/notesMaster1.xml><?xml version="1.0" encoding="utf-8"?>
+<p:notesMaster xmlns:a="http://schemas.openxmlformats.org/drawingml/2006/main" xmlns:r="http://schemas.openxmlformats.org/officeDocument/2006/relationships" xmlns:p="http://schemas.openxmlformats.org/presentationml/2006/main">
+  <p:cSld>
+    <p:bg>
+      <p:bgRef idx="1001">
+        <a:schemeClr val="bg1"/>
+      </p:bgRef>
+    </p:bg>
+    <p:spTree>
+      <p:nvGrpSpPr>
+        <p:cNvPr id="1" name=""/>
+        <p:cNvGrpSpPr/>
+        <p:nvPr/>
+      </p:nvGrpSpPr>
+      <p:grpSpPr>
+        <a:xfrm>
+          <a:off x="0" y="0"/>
+          <a:ext cx="0" cy="0"/>
+          <a:chOff x="0" y="0"/>
+          <a:chExt cx="0" cy="0"/>
+        </a:xfrm>
+      </p:grpSpPr>
+      <p:sp>
+        <p:nvSpPr>
+          <p:cNvPr id="2" name="Header Placeholder 1"/>
+          <p:cNvSpPr>
+            <a:spLocks noGrp="1"/>
+          </p:cNvSpPr>
+          <p:nvPr>
+            <p:ph type="hdr" sz="quarter"/>
+          </p:nvPr>
+        </p:nvSpPr>
+        <p:spPr>
+          <a:xfrm>
+            <a:off x="0" y="0"/>
+            <a:ext cx="2971800" cy="457200"/>
+          </a:xfrm>
+          <a:prstGeom prst="rect">
+            <a:avLst/>
+          </a:prstGeom>
+        </p:spPr>
+        <p:txBody>
+          <a:bodyPr vert="horz" lIns="91440" tIns="45720" rIns="91440" bIns="45720" rtlCol="0"/>
+          <a:lstStyle>
+            <a:lvl1pPr algn="l">
+              <a:defRPr sz="1200"/>
+            </a:lvl1pPr>
+          </a:lstStyle>
+          <a:p>
+            <a:endParaRPr lang="en-US"/>
+          </a:p>
+        </p:txBody>
+      </p:sp>
+      <p:sp>
+        <p:nvSpPr>
+          <p:cNvPr id="3" name="Date Placeholder 2"/>
+          <p:cNvSpPr>
+            <a:spLocks noGrp="1"/>
+          </p:cNvSpPr>
+          <p:nvPr>
+            <p:ph type="dt" idx="1"/>
+          </p:nvPr>
+        </p:nvSpPr>
+        <p:spPr>
+          <a:xfrm>
+            <a:off x="3884613" y="0"/>
+            <a:ext cx="2971800" cy="457200"/>
+          </a:xfrm>
+          <a:prstGeom prst="rect">
+            <a:avLst/>
+          </a:prstGeom>
+        </p:spPr>
+        <p:txBody>
+          <a:bodyPr vert="horz" lIns="91440" tIns="45720" rIns="91440" bIns="45720" rtlCol="0"/>
+          <a:lstStyle>
+            <a:lvl1pPr algn="r">
+              <a:defRPr sz="1200"/>
+            </a:lvl1pPr>
+          </a:lstStyle>
+          <a:p>
+            <a:fld id="{88F23D31-607E-4C68-A301-3FE9F50A1312}" type="datetimeFigureOut">
+              <a:rPr lang="en-US" smtClean="0"/>
+              <a:t>9/13/2020</a:t>
+            </a:fld>
+            <a:endParaRPr lang="en-US"/>
+          </a:p>
+        </p:txBody>
+      </p:sp>
+      <p:sp>
+        <p:nvSpPr>
+          <p:cNvPr id="4" name="Slide Image Placeholder 3"/>
+          <p:cNvSpPr>
+            <a:spLocks noGrp="1" noRot="1" noChangeAspect="1"/>
+          </p:cNvSpPr>
+          <p:nvPr>
+            <p:ph type="sldImg" idx="2"/>
+          </p:nvPr>
+        </p:nvSpPr>
+        <p:spPr>
+          <a:xfrm>
+            <a:off x="1143000" y="685800"/>
+            <a:ext cx="4572000" cy="3429000"/>
+          </a:xfrm>
+          <a:prstGeom prst="rect">
+            <a:avLst/>
+          </a:prstGeom>
+          <a:noFill/>
+          <a:ln w="12700">
+            <a:solidFill>
+              <a:prstClr val="black"/>
+            </a:solidFill>
+          </a:ln>
+        </p:spPr>
+        <p:txBody>
+          <a:bodyPr vert="horz" lIns="91440" tIns="45720" rIns="91440" bIns="45720" rtlCol="0" anchor="ctr"/>
+          <a:lstStyle/>
+          <a:p>
+            <a:endParaRPr lang="en-US"/>
+          </a:p>
+        </p:txBody>
+      </p:sp>
+      <p:sp>
+        <p:nvSpPr>
+          <p:cNvPr id="5" name="Notes Placeholder 4"/>
+          <p:cNvSpPr>
+            <a:spLocks noGrp="1"/>
+          </p:cNvSpPr>
+          <p:nvPr>
+            <p:ph type="body" sz="quarter" idx="3"/>
+          </p:nvPr>
+        </p:nvSpPr>
+        <p:spPr>
+          <a:xfrm>
+            <a:off x="685800" y="4343400"/>
+            <a:ext cx="5486400" cy="4114800"/>
+          </a:xfrm>
+          <a:prstGeom prst="rect">
+            <a:avLst/>
+          </a:prstGeom>
+        </p:spPr>
+        <p:txBody>
+          <a:bodyPr vert="horz" lIns="91440" tIns="45720" rIns="91440" bIns="45720" rtlCol="0"/>
+          <a:lstStyle/>
+          <a:p>
+            <a:pPr lvl="0"/>
+            <a:r>
+              <a:rPr lang="en-US" smtClean="0"/>
+              <a:t>Click to edit Master text styles</a:t>
+            </a:r>
+          </a:p>
+          <a:p>
+            <a:pPr lvl="1"/>
+            <a:r>
+              <a:rPr lang="en-US" smtClean="0"/>
+              <a:t>Second level</a:t>
+            </a:r>
+          </a:p>
+          <a:p>
+            <a:pPr lvl="2"/>
+            <a:r>
+              <a:rPr lang="en-US" smtClean="0"/>
+              <a:t>Third level</a:t>
+            </a:r>
+          </a:p>
+          <a:p>
+            <a:pPr lvl="3"/>
+            <a:r>
+              <a:rPr lang="en-US" smtClean="0"/>
+              <a:t>Fourth level</a:t>
+            </a:r>
+          </a:p>
+          <a:p>
+            <a:pPr lvl="4"/>
+            <a:r>
+              <a:rPr lang="en-US" smtClean="0"/>
+              <a:t>Fifth level</a:t>
+            </a:r>
+            <a:endParaRPr lang="en-US"/>
+          </a:p>
+        </p:txBody>
+      </p:sp>
+      <p:sp>
+        <p:nvSpPr>
+          <p:cNvPr id="6" name="Footer Placeholder 5"/>
+          <p:cNvSpPr>
+            <a:spLocks noGrp="1"/>
+          </p:cNvSpPr>
+          <p:nvPr>
+            <p:ph type="ftr" sz="quarter" idx="4"/>
+          </p:nvPr>
+        </p:nvSpPr>
+        <p:spPr>
+          <a:xfrm>
+            <a:off x="0" y="8685213"/>
+            <a:ext cx="2971800" cy="457200"/>
+          </a:xfrm>
+          <a:prstGeom prst="rect">
+            <a:avLst/>
+          </a:prstGeom>
+        </p:spPr>
+        <p:txBody>
+          <a:bodyPr vert="horz" lIns="91440" tIns="45720" rIns="91440" bIns="45720" rtlCol="0" anchor="b"/>
+          <a:lstStyle>
+            <a:lvl1pPr algn="l">
+              <a:defRPr sz="1200"/>
+            </a:lvl1pPr>
+          </a:lstStyle>
+          <a:p>
+            <a:endParaRPr lang="en-US"/>
+          </a:p>
+        </p:txBody>
+      </p:sp>
+      <p:sp>
+        <p:nvSpPr>
+          <p:cNvPr id="7" name="Slide Number Placeholder 6"/>
+          <p:cNvSpPr>
+            <a:spLocks noGrp="1"/>
+          </p:cNvSpPr>
+          <p:nvPr>
+            <p:ph type="sldNum" sz="quarter" idx="5"/>
+          </p:nvPr>
+        </p:nvSpPr>
+        <p:spPr>
+          <a:xfrm>
+            <a:off x="3884613" y="8685213"/>
+            <a:ext cx="2971800" cy="457200"/>
+          </a:xfrm>
+          <a:prstGeom prst="rect">
+            <a:avLst/>
+          </a:prstGeom>
+        </p:spPr>
+        <p:txBody>
+          <a:bodyPr vert="horz" lIns="91440" tIns="45720" rIns="91440" bIns="45720" rtlCol="0" anchor="b"/>
+          <a:lstStyle>
+            <a:lvl1pPr algn="r">
+              <a:defRPr sz="1200"/>
+            </a:lvl1pPr>
+          </a:lstStyle>
+          <a:p>
+            <a:fld id="{3EB45922-4AFD-4CAA-9672-A086C138A7DA}" type="slidenum">
+              <a:rPr lang="en-US" smtClean="0"/>
+              <a:t>‹#›</a:t>
+            </a:fld>
+            <a:endParaRPr lang="en-US"/>
+          </a:p>
+        </p:txBody>
+      </p:sp>
+    </p:spTree>
+    <p:extLst>
+      <p:ext uri="{BB962C8B-B14F-4D97-AF65-F5344CB8AC3E}">
+        <p14:creationId xmlns:p14="http://schemas.microsoft.com/office/powerpoint/2010/main" val="3347836899"/>
+      </p:ext>
+    </p:extLst>
+  </p:cSld>
+  <p:clrMap bg1="lt1" tx1="dk1" bg2="lt2" tx2="dk2" accent1="accent1" accent2="accent2" accent3="accent3" accent4="accent4" accent5="accent5" accent6="accent6" hlink="hlink" folHlink="folHlink"/>
+  <p:notesStyle>
+    <a:lvl1pPr marL="0" algn="l" defTabSz="914400" rtl="0" eaLnBrk="1" latinLnBrk="0" hangingPunct="1">
+      <a:defRPr sz="1200" kern="1200">
+        <a:solidFill>
+          <a:schemeClr val="tx1"/>
+        </a:solidFill>
+        <a:latin typeface="+mn-lt"/>
+        <a:ea typeface="+mn-ea"/>
+        <a:cs typeface="+mn-cs"/>
+      </a:defRPr>
+    </a:lvl1pPr>
+    <a:lvl2pPr marL="457200" algn="l" defTabSz="914400" rtl="0" eaLnBrk="1" latinLnBrk="0" hangingPunct="1">
+      <a:defRPr sz="1200" kern="1200">
+        <a:solidFill>
+          <a:schemeClr val="tx1"/>
+        </a:solidFill>
+        <a:latin typeface="+mn-lt"/>
+        <a:ea typeface="+mn-ea"/>
+        <a:cs typeface="+mn-cs"/>
+      </a:defRPr>
+    </a:lvl2pPr>
+    <a:lvl3pPr marL="914400" algn="l" defTabSz="914400" rtl="0" eaLnBrk="1" latinLnBrk="0" hangingPunct="1">
+      <a:defRPr sz="1200" kern="1200">
+        <a:solidFill>
+          <a:schemeClr val="tx1"/>
+        </a:solidFill>
+        <a:latin typeface="+mn-lt"/>
+        <a:ea typeface="+mn-ea"/>
+        <a:cs typeface="+mn-cs"/>
+      </a:defRPr>
+    </a:lvl3pPr>
+    <a:lvl4pPr marL="1371600" algn="l" defTabSz="914400" rtl="0" eaLnBrk="1" latinLnBrk="0" hangingPunct="1">
+      <a:defRPr sz="1200" kern="1200">
+        <a:solidFill>
+          <a:schemeClr val="tx1"/>
+        </a:solidFill>
+        <a:latin typeface="+mn-lt"/>
+        <a:ea typeface="+mn-ea"/>
+        <a:cs typeface="+mn-cs"/>
+      </a:defRPr>
+    </a:lvl4pPr>
+    <a:lvl5pPr marL="1828800" algn="l" defTabSz="914400" rtl="0" eaLnBrk="1" latinLnBrk="0" hangingPunct="1">
+      <a:defRPr sz="1200" kern="1200">
+        <a:solidFill>
+          <a:schemeClr val="tx1"/>
+        </a:solidFill>
+        <a:latin typeface="+mn-lt"/>
+        <a:ea typeface="+mn-ea"/>
+        <a:cs typeface="+mn-cs"/>
+      </a:defRPr>
+    </a:lvl5pPr>
+    <a:lvl6pPr marL="2286000" algn="l" defTabSz="914400" rtl="0" eaLnBrk="1" latinLnBrk="0" hangingPunct="1">
+      <a:defRPr sz="1200" kern="1200">
+        <a:solidFill>
+          <a:schemeClr val="tx1"/>
+        </a:solidFill>
+        <a:latin typeface="+mn-lt"/>
+        <a:ea typeface="+mn-ea"/>
+        <a:cs typeface="+mn-cs"/>
+      </a:defRPr>
+    </a:lvl6pPr>
+    <a:lvl7pPr marL="2743200" algn="l" defTabSz="914400" rtl="0" eaLnBrk="1" latinLnBrk="0" hangingPunct="1">
+      <a:defRPr sz="1200" kern="1200">
+        <a:solidFill>
+          <a:schemeClr val="tx1"/>
+        </a:solidFill>
+        <a:latin typeface="+mn-lt"/>
+        <a:ea typeface="+mn-ea"/>
+        <a:cs typeface="+mn-cs"/>
+      </a:defRPr>
+    </a:lvl7pPr>
+    <a:lvl8pPr marL="3200400" algn="l" defTabSz="914400" rtl="0" eaLnBrk="1" latinLnBrk="0" hangingPunct="1">
+      <a:defRPr sz="1200" kern="1200">
+        <a:solidFill>
+          <a:schemeClr val="tx1"/>
+        </a:solidFill>
+        <a:latin typeface="+mn-lt"/>
+        <a:ea typeface="+mn-ea"/>
+        <a:cs typeface="+mn-cs"/>
+      </a:defRPr>
+    </a:lvl8pPr>
+    <a:lvl9pPr marL="3657600" algn="l" defTabSz="914400" rtl="0" eaLnBrk="1" latinLnBrk="0" hangingPunct="1">
+      <a:defRPr sz="1200" kern="1200">
+        <a:solidFill>
+          <a:schemeClr val="tx1"/>
+        </a:solidFill>
+        <a:latin typeface="+mn-lt"/>
+        <a:ea typeface="+mn-ea"/>
+        <a:cs typeface="+mn-cs"/>
+      </a:defRPr>
+    </a:lvl9pPr>
+  </p:notesStyle>
+</p:notesMaster>
+</file>
+
+<file path=ppt/notesSlides/notesSlide1.xml><?xml version="1.0" encoding="utf-8"?>
+<p:notes xmlns:a="http://schemas.openxmlformats.org/drawingml/2006/main" xmlns:r="http://schemas.openxmlformats.org/officeDocument/2006/relationships" xmlns:p="http://schemas.openxmlformats.org/presentationml/2006/main">
+  <p:cSld>
+    <p:spTree>
+      <p:nvGrpSpPr>
+        <p:cNvPr id="1" name=""/>
+        <p:cNvGrpSpPr/>
+        <p:nvPr/>
+      </p:nvGrpSpPr>
+      <p:grpSpPr>
+        <a:xfrm>
+          <a:off x="0" y="0"/>
+          <a:ext cx="0" cy="0"/>
+          <a:chOff x="0" y="0"/>
+          <a:chExt cx="0" cy="0"/>
+        </a:xfrm>
+      </p:grpSpPr>
+      <p:sp>
+        <p:nvSpPr>
+          <p:cNvPr id="2" name="Slide Image Placeholder 1"/>
+          <p:cNvSpPr>
+            <a:spLocks noGrp="1" noRot="1" noChangeAspect="1"/>
+          </p:cNvSpPr>
+          <p:nvPr>
+            <p:ph type="sldImg"/>
+          </p:nvPr>
+        </p:nvSpPr>
+        <p:spPr/>
+      </p:sp>
+      <p:sp>
+        <p:nvSpPr>
+          <p:cNvPr id="3" name="Notes Placeholder 2"/>
+          <p:cNvSpPr>
+            <a:spLocks noGrp="1"/>
+          </p:cNvSpPr>
+          <p:nvPr>
+            <p:ph type="body" idx="1"/>
+          </p:nvPr>
+        </p:nvSpPr>
+        <p:spPr/>
+        <p:txBody>
+          <a:bodyPr/>
+          <a:lstStyle/>
+          <a:p>
+            <a:endParaRPr lang="en-US" dirty="0"/>
+          </a:p>
+        </p:txBody>
+      </p:sp>
+      <p:sp>
+        <p:nvSpPr>
+          <p:cNvPr id="4" name="Slide Number Placeholder 3"/>
+          <p:cNvSpPr>
+            <a:spLocks noGrp="1"/>
+          </p:cNvSpPr>
+          <p:nvPr>
+            <p:ph type="sldNum" sz="quarter" idx="10"/>
+          </p:nvPr>
+        </p:nvSpPr>
+        <p:spPr/>
+        <p:txBody>
+          <a:bodyPr/>
+          <a:lstStyle/>
+          <a:p>
+            <a:fld id="{3EB45922-4AFD-4CAA-9672-A086C138A7DA}" type="slidenum">
+              <a:rPr lang="en-US" smtClean="0"/>
+              <a:t>35</a:t>
+            </a:fld>
+            <a:endParaRPr lang="en-US"/>
+          </a:p>
+        </p:txBody>
+      </p:sp>
+    </p:spTree>
+    <p:extLst>
+      <p:ext uri="{BB962C8B-B14F-4D97-AF65-F5344CB8AC3E}">
+        <p14:creationId xmlns:p14="http://schemas.microsoft.com/office/powerpoint/2010/main" val="4029963108"/>
+      </p:ext>
+    </p:extLst>
+  </p:cSld>
+  <p:clrMapOvr>
+    <a:masterClrMapping/>
+  </p:clrMapOvr>
+</p:notes>
+</file>
+
 <file path=ppt/slideLayouts/slideLayout1.xml><?xml version="1.0" encoding="utf-8"?>
 <p:sldLayout xmlns:a="http://schemas.openxmlformats.org/drawingml/2006/main" xmlns:r="http://schemas.openxmlformats.org/officeDocument/2006/relationships" xmlns:p="http://schemas.openxmlformats.org/presentationml/2006/main" type="title" preserve="1">
   <p:cSld name="Title Slide">
@@ -310,7 +761,7 @@
           <a:p>
             <a:fld id="{7B0D38C4-0CB6-4977-9DF5-900B1104C421}" type="datetimeFigureOut">
               <a:rPr lang="en-US" smtClean="0"/>
-              <a:t>7/18/2020</a:t>
+              <a:t>9/13/2020</a:t>
             </a:fld>
             <a:endParaRPr lang="en-US" dirty="0"/>
           </a:p>
@@ -480,7 +931,7 @@
           <a:p>
             <a:fld id="{7B0D38C4-0CB6-4977-9DF5-900B1104C421}" type="datetimeFigureOut">
               <a:rPr lang="en-US" smtClean="0"/>
-              <a:t>7/18/2020</a:t>
+              <a:t>9/13/2020</a:t>
             </a:fld>
             <a:endParaRPr lang="en-US" dirty="0"/>
           </a:p>
@@ -660,7 +1111,7 @@
           <a:p>
             <a:fld id="{7B0D38C4-0CB6-4977-9DF5-900B1104C421}" type="datetimeFigureOut">
               <a:rPr lang="en-US" smtClean="0"/>
-              <a:t>7/18/2020</a:t>
+              <a:t>9/13/2020</a:t>
             </a:fld>
             <a:endParaRPr lang="en-US" dirty="0"/>
           </a:p>
@@ -830,7 +1281,7 @@
           <a:p>
             <a:fld id="{7B0D38C4-0CB6-4977-9DF5-900B1104C421}" type="datetimeFigureOut">
               <a:rPr lang="en-US" smtClean="0"/>
-              <a:t>7/18/2020</a:t>
+              <a:t>9/13/2020</a:t>
             </a:fld>
             <a:endParaRPr lang="en-US" dirty="0"/>
           </a:p>
@@ -1076,7 +1527,7 @@
           <a:p>
             <a:fld id="{7B0D38C4-0CB6-4977-9DF5-900B1104C421}" type="datetimeFigureOut">
               <a:rPr lang="en-US" smtClean="0"/>
-              <a:t>7/18/2020</a:t>
+              <a:t>9/13/2020</a:t>
             </a:fld>
             <a:endParaRPr lang="en-US" dirty="0"/>
           </a:p>
@@ -1364,7 +1815,7 @@
           <a:p>
             <a:fld id="{7B0D38C4-0CB6-4977-9DF5-900B1104C421}" type="datetimeFigureOut">
               <a:rPr lang="en-US" smtClean="0"/>
-              <a:t>7/18/2020</a:t>
+              <a:t>9/13/2020</a:t>
             </a:fld>
             <a:endParaRPr lang="en-US" dirty="0"/>
           </a:p>
@@ -1786,7 +2237,7 @@
           <a:p>
             <a:fld id="{7B0D38C4-0CB6-4977-9DF5-900B1104C421}" type="datetimeFigureOut">
               <a:rPr lang="en-US" smtClean="0"/>
-              <a:t>7/18/2020</a:t>
+              <a:t>9/13/2020</a:t>
             </a:fld>
             <a:endParaRPr lang="en-US" dirty="0"/>
           </a:p>
@@ -1904,7 +2355,7 @@
           <a:p>
             <a:fld id="{7B0D38C4-0CB6-4977-9DF5-900B1104C421}" type="datetimeFigureOut">
               <a:rPr lang="en-US" smtClean="0"/>
-              <a:t>7/18/2020</a:t>
+              <a:t>9/13/2020</a:t>
             </a:fld>
             <a:endParaRPr lang="en-US" dirty="0"/>
           </a:p>
@@ -1999,7 +2450,7 @@
           <a:p>
             <a:fld id="{7B0D38C4-0CB6-4977-9DF5-900B1104C421}" type="datetimeFigureOut">
               <a:rPr lang="en-US" smtClean="0"/>
-              <a:t>7/18/2020</a:t>
+              <a:t>9/13/2020</a:t>
             </a:fld>
             <a:endParaRPr lang="en-US" dirty="0"/>
           </a:p>
@@ -2276,7 +2727,7 @@
           <a:p>
             <a:fld id="{7B0D38C4-0CB6-4977-9DF5-900B1104C421}" type="datetimeFigureOut">
               <a:rPr lang="en-US" smtClean="0"/>
-              <a:t>7/18/2020</a:t>
+              <a:t>9/13/2020</a:t>
             </a:fld>
             <a:endParaRPr lang="en-US" dirty="0"/>
           </a:p>
@@ -2529,7 +2980,7 @@
           <a:p>
             <a:fld id="{7B0D38C4-0CB6-4977-9DF5-900B1104C421}" type="datetimeFigureOut">
               <a:rPr lang="en-US" smtClean="0"/>
-              <a:t>7/18/2020</a:t>
+              <a:t>9/13/2020</a:t>
             </a:fld>
             <a:endParaRPr lang="en-US" dirty="0"/>
           </a:p>
@@ -2742,7 +3193,7 @@
           <a:p>
             <a:fld id="{7B0D38C4-0CB6-4977-9DF5-900B1104C421}" type="datetimeFigureOut">
               <a:rPr lang="en-US" smtClean="0"/>
-              <a:t>7/18/2020</a:t>
+              <a:t>9/13/2020</a:t>
             </a:fld>
             <a:endParaRPr lang="en-US" dirty="0"/>
           </a:p>
@@ -6513,19 +6964,7 @@
             </a:r>
             <a:r>
               <a:rPr lang="en-US" sz="4000" dirty="0" smtClean="0"/>
-              <a:t> </a:t>
-            </a:r>
-            <a:r>
-              <a:rPr lang="en-US" sz="4000" dirty="0" smtClean="0"/>
-              <a:t>Volume</a:t>
-            </a:r>
-            <a:r>
-              <a:rPr lang="en-US" sz="4000" dirty="0" smtClean="0"/>
-              <a:t> </a:t>
-            </a:r>
-            <a:r>
-              <a:rPr lang="en-US" sz="4000" dirty="0" smtClean="0"/>
-              <a:t>Commands</a:t>
+              <a:t> Volume Commands</a:t>
             </a:r>
             <a:endParaRPr lang="en-US" sz="4000" dirty="0"/>
           </a:p>
@@ -6565,7 +7004,6 @@
               <a:rPr lang="en-US" sz="1600" dirty="0" smtClean="0"/>
               <a:t>volume create &lt;volume name&gt;</a:t>
             </a:r>
-            <a:endParaRPr lang="en-US" sz="1600" dirty="0" smtClean="0"/>
           </a:p>
           <a:p>
             <a:pPr lvl="1"/>
@@ -6573,7 +7011,6 @@
               <a:rPr lang="en-US" sz="1200" dirty="0" smtClean="0"/>
               <a:t>Create volume</a:t>
             </a:r>
-            <a:endParaRPr lang="en-US" sz="1200" dirty="0" smtClean="0"/>
           </a:p>
           <a:p>
             <a:r>
@@ -6600,7 +7037,6 @@
               <a:rPr lang="en-US" sz="1200" dirty="0" smtClean="0"/>
               <a:t>List all volumes.</a:t>
             </a:r>
-            <a:endParaRPr lang="en-US" sz="1200" dirty="0" smtClean="0"/>
           </a:p>
           <a:p>
             <a:r>
@@ -6681,7 +7117,6 @@
               <a:rPr lang="en-US" sz="1600" dirty="0" smtClean="0"/>
               <a:t> –v &lt;volume id/name&gt;:&lt;path of volume in container&gt; &lt;image name&gt;</a:t>
             </a:r>
-            <a:endParaRPr lang="en-US" sz="1600" dirty="0" smtClean="0"/>
           </a:p>
           <a:p>
             <a:r>
@@ -6690,11 +7125,7 @@
             </a:r>
             <a:r>
               <a:rPr lang="en-US" sz="1600" dirty="0" smtClean="0"/>
-              <a:t> </a:t>
-            </a:r>
-            <a:r>
-              <a:rPr lang="en-US" sz="1600" dirty="0" smtClean="0"/>
-              <a:t>container run -</a:t>
+              <a:t> container run -</a:t>
             </a:r>
             <a:r>
               <a:rPr lang="en-US" sz="1600" dirty="0" err="1" smtClean="0"/>
@@ -6795,138 +7226,127 @@
               <a:rPr lang="en-US" sz="1600" dirty="0" smtClean="0"/>
               <a:t> volume inspect &lt;volume name&gt;</a:t>
             </a:r>
+          </a:p>
+          <a:p>
+            <a:pPr lvl="1"/>
+            <a:r>
+              <a:rPr lang="en-US" sz="1200" dirty="0" smtClean="0"/>
+              <a:t>Inspect the volume.</a:t>
+            </a:r>
+          </a:p>
+          <a:p>
+            <a:r>
+              <a:rPr lang="de-DE" sz="1600" dirty="0"/>
+              <a:t>docker </a:t>
+            </a:r>
+            <a:r>
+              <a:rPr lang="de-DE" sz="1600" dirty="0" smtClean="0"/>
+              <a:t>volume rm &lt;volume name&gt;</a:t>
+            </a:r>
+          </a:p>
+          <a:p>
+            <a:pPr lvl="1"/>
+            <a:r>
+              <a:rPr lang="en-US" sz="1200" dirty="0" smtClean="0"/>
+              <a:t>Remove the volume.</a:t>
+            </a:r>
+          </a:p>
+          <a:p>
+            <a:r>
+              <a:rPr lang="en-US" sz="1600" dirty="0" err="1"/>
+              <a:t>docker</a:t>
+            </a:r>
+            <a:r>
+              <a:rPr lang="en-US" sz="1600" dirty="0"/>
+              <a:t> </a:t>
+            </a:r>
+            <a:r>
+              <a:rPr lang="en-US" sz="1600" dirty="0" smtClean="0"/>
+              <a:t>volume prune</a:t>
+            </a:r>
+          </a:p>
+          <a:p>
+            <a:pPr lvl="1"/>
+            <a:r>
+              <a:rPr lang="en-US" sz="1200" dirty="0" smtClean="0"/>
+              <a:t>Remove all unused volume.</a:t>
+            </a:r>
+          </a:p>
+          <a:p>
+            <a:r>
+              <a:rPr lang="en-US" sz="1600" dirty="0" err="1"/>
+              <a:t>docker</a:t>
+            </a:r>
+            <a:r>
+              <a:rPr lang="en-US" sz="1600" dirty="0"/>
+              <a:t> container run -it -v &lt;path of host machine folder&gt;:&lt;path of </a:t>
+            </a:r>
+            <a:r>
+              <a:rPr lang="en-US" sz="1600" dirty="0" err="1"/>
+              <a:t>docker</a:t>
+            </a:r>
+            <a:r>
+              <a:rPr lang="en-US" sz="1600" dirty="0"/>
+              <a:t> container folder where i want to mount&gt; &lt;image name</a:t>
+            </a:r>
+            <a:r>
+              <a:rPr lang="en-US" sz="1600" dirty="0" smtClean="0"/>
+              <a:t>&gt;</a:t>
+            </a:r>
+          </a:p>
+          <a:p>
+            <a:r>
+              <a:rPr lang="en-US" sz="1600" dirty="0" err="1"/>
+              <a:t>docker</a:t>
+            </a:r>
+            <a:r>
+              <a:rPr lang="en-US" sz="1600" dirty="0"/>
+              <a:t> container run -it -v /home/</a:t>
+            </a:r>
+            <a:r>
+              <a:rPr lang="en-US" sz="1600" dirty="0" err="1"/>
+              <a:t>pankaj</a:t>
+            </a:r>
+            <a:r>
+              <a:rPr lang="en-US" sz="1600" dirty="0"/>
+              <a:t>:/</a:t>
+            </a:r>
+            <a:r>
+              <a:rPr lang="en-US" sz="1600" dirty="0" err="1"/>
+              <a:t>tmp</a:t>
+            </a:r>
+            <a:r>
+              <a:rPr lang="en-US" sz="1600" dirty="0"/>
+              <a:t>/test/ </a:t>
+            </a:r>
+            <a:r>
+              <a:rPr lang="en-US" sz="1600" dirty="0" err="1"/>
+              <a:t>ubuntu</a:t>
+            </a:r>
+            <a:r>
+              <a:rPr lang="en-US" sz="1600" dirty="0"/>
+              <a:t> bash</a:t>
+            </a:r>
             <a:endParaRPr lang="en-US" sz="1600" dirty="0" smtClean="0"/>
           </a:p>
           <a:p>
             <a:pPr lvl="1"/>
             <a:r>
-              <a:rPr lang="en-US" sz="1200" dirty="0" smtClean="0"/>
-              <a:t>Inspect the volume</a:t>
+              <a:rPr lang="en-US" sz="1200" dirty="0"/>
+              <a:t>This command will bind the folder of host machine into the folder of container. If the container's folder is not available, then this command will automatically create that folder. Whatever file exist in host machine folder, that will be shown into mount folder of running container. If we change anything in that folder inside running container, then we will see those changed in the host mounted folder also.</a:t>
+            </a:r>
+            <a:endParaRPr lang="en-US" sz="1200" dirty="0" smtClean="0"/>
+          </a:p>
+          <a:p>
+            <a:pPr lvl="1"/>
+            <a:r>
+              <a:rPr lang="en-US" sz="1200" dirty="0"/>
+              <a:t>We should always give full path of host machine folder. If we will not give full path then this command will create a new volume with the specified name</a:t>
             </a:r>
             <a:r>
               <a:rPr lang="en-US" sz="1200" dirty="0" smtClean="0"/>
               <a:t>.</a:t>
             </a:r>
-            <a:endParaRPr lang="en-US" sz="1200" dirty="0" smtClean="0"/>
-          </a:p>
-          <a:p>
-            <a:r>
-              <a:rPr lang="de-DE" sz="1600" dirty="0"/>
-              <a:t>docker </a:t>
-            </a:r>
-            <a:r>
-              <a:rPr lang="de-DE" sz="1600" dirty="0" smtClean="0"/>
-              <a:t>volume rm &lt;volume name&gt;</a:t>
-            </a:r>
-            <a:endParaRPr lang="de-DE" sz="1600" dirty="0" smtClean="0"/>
-          </a:p>
-          <a:p>
-            <a:pPr lvl="1"/>
-            <a:r>
-              <a:rPr lang="en-US" sz="1200" dirty="0" smtClean="0"/>
-              <a:t>Remove the volume.</a:t>
-            </a:r>
-            <a:endParaRPr lang="en-US" sz="1200" dirty="0" smtClean="0"/>
-          </a:p>
-          <a:p>
-            <a:r>
-              <a:rPr lang="en-US" sz="1600" dirty="0" err="1"/>
-              <a:t>docker</a:t>
-            </a:r>
-            <a:r>
-              <a:rPr lang="en-US" sz="1600" dirty="0"/>
-              <a:t> </a:t>
-            </a:r>
-            <a:r>
-              <a:rPr lang="en-US" sz="1600" dirty="0" smtClean="0"/>
-              <a:t>volume prune</a:t>
-            </a:r>
-            <a:endParaRPr lang="en-US" sz="1600" dirty="0" smtClean="0"/>
-          </a:p>
-          <a:p>
-            <a:pPr lvl="1"/>
-            <a:r>
-              <a:rPr lang="en-US" sz="1200" dirty="0" smtClean="0"/>
-              <a:t>Remove all unused volume.</a:t>
-            </a:r>
-            <a:endParaRPr lang="en-US" sz="1200" dirty="0" smtClean="0"/>
-          </a:p>
-          <a:p>
-            <a:r>
-              <a:rPr lang="en-US" sz="1600" dirty="0" err="1"/>
-              <a:t>docker</a:t>
-            </a:r>
-            <a:r>
-              <a:rPr lang="en-US" sz="1600" dirty="0"/>
-              <a:t> container run -it -v &lt;path of host machine folder&gt;:&lt;path of </a:t>
-            </a:r>
-            <a:r>
-              <a:rPr lang="en-US" sz="1600" dirty="0" err="1"/>
-              <a:t>docker</a:t>
-            </a:r>
-            <a:r>
-              <a:rPr lang="en-US" sz="1600" dirty="0"/>
-              <a:t> container folder where i want to mount&gt; &lt;image name</a:t>
-            </a:r>
-            <a:r>
-              <a:rPr lang="en-US" sz="1600" dirty="0" smtClean="0"/>
-              <a:t>&gt;</a:t>
-            </a:r>
-          </a:p>
-          <a:p>
-            <a:r>
-              <a:rPr lang="en-US" sz="1600" dirty="0" err="1"/>
-              <a:t>docker</a:t>
-            </a:r>
-            <a:r>
-              <a:rPr lang="en-US" sz="1600" dirty="0"/>
-              <a:t> container run -it -v /home/</a:t>
-            </a:r>
-            <a:r>
-              <a:rPr lang="en-US" sz="1600" dirty="0" err="1"/>
-              <a:t>pankaj</a:t>
-            </a:r>
-            <a:r>
-              <a:rPr lang="en-US" sz="1600" dirty="0"/>
-              <a:t>:/</a:t>
-            </a:r>
-            <a:r>
-              <a:rPr lang="en-US" sz="1600" dirty="0" err="1"/>
-              <a:t>tmp</a:t>
-            </a:r>
-            <a:r>
-              <a:rPr lang="en-US" sz="1600" dirty="0"/>
-              <a:t>/test/ </a:t>
-            </a:r>
-            <a:r>
-              <a:rPr lang="en-US" sz="1600" dirty="0" err="1"/>
-              <a:t>ubuntu</a:t>
-            </a:r>
-            <a:r>
-              <a:rPr lang="en-US" sz="1600" dirty="0"/>
-              <a:t> bash</a:t>
-            </a:r>
-            <a:endParaRPr lang="en-US" sz="1600" dirty="0" smtClean="0"/>
-          </a:p>
-          <a:p>
-            <a:pPr lvl="1"/>
-            <a:r>
-              <a:rPr lang="en-US" sz="1200" dirty="0"/>
-              <a:t>This command will bind the folder of host machine into the folder of container. If the container's folder is not available, then this command will automatically create that folder. Whatever file exist in host machine folder, that will be shown into mount folder of running container. If we change anything in that folder inside running container, then we will see those changed in the host mounted folder also.</a:t>
-            </a:r>
-            <a:endParaRPr lang="en-US" sz="1200" dirty="0" smtClean="0"/>
-          </a:p>
-          <a:p>
-            <a:pPr lvl="1"/>
-            <a:r>
-              <a:rPr lang="en-US" sz="1200" dirty="0"/>
-              <a:t>We should always give full path of host machine folder. If we will not give full path then this command will create a new volume with the specified name</a:t>
-            </a:r>
-            <a:r>
-              <a:rPr lang="en-US" sz="1200" dirty="0" smtClean="0"/>
-              <a:t>.</a:t>
-            </a:r>
-            <a:endParaRPr lang="en-US" sz="1200" dirty="0" smtClean="0"/>
           </a:p>
         </p:txBody>
       </p:sp>
@@ -6974,26 +7394,1462 @@
             <a:spLocks noGrp="1"/>
           </p:cNvSpPr>
           <p:nvPr>
-            <p:ph type="ctrTitle"/>
-          </p:nvPr>
-        </p:nvSpPr>
-        <p:spPr/>
-        <p:txBody>
-          <a:bodyPr/>
+            <p:ph type="title"/>
+          </p:nvPr>
+        </p:nvSpPr>
+        <p:spPr>
+          <a:xfrm>
+            <a:off x="457200" y="274638"/>
+            <a:ext cx="8229600" cy="792162"/>
+          </a:xfrm>
+        </p:spPr>
+        <p:txBody>
+          <a:bodyPr>
+            <a:normAutofit/>
+          </a:bodyPr>
           <a:lstStyle/>
           <a:p>
             <a:r>
-              <a:rPr lang="en-US" dirty="0" smtClean="0"/>
-              <a:t>Thanks</a:t>
-            </a:r>
-            <a:endParaRPr lang="en-US" dirty="0"/>
-          </a:p>
-        </p:txBody>
-      </p:sp>
+              <a:rPr lang="en-US" sz="4000" dirty="0" err="1" smtClean="0"/>
+              <a:t>Docker</a:t>
+            </a:r>
+            <a:r>
+              <a:rPr lang="en-US" sz="4000" dirty="0" smtClean="0"/>
+              <a:t> Networking</a:t>
+            </a:r>
+            <a:endParaRPr lang="en-US" sz="4000" dirty="0"/>
+          </a:p>
+        </p:txBody>
+      </p:sp>
+      <p:sp>
+        <p:nvSpPr>
+          <p:cNvPr id="3" name="Content Placeholder 2"/>
+          <p:cNvSpPr>
+            <a:spLocks noGrp="1"/>
+          </p:cNvSpPr>
+          <p:nvPr>
+            <p:ph idx="1"/>
+          </p:nvPr>
+        </p:nvSpPr>
+        <p:spPr>
+          <a:xfrm>
+            <a:off x="457200" y="1219200"/>
+            <a:ext cx="8229600" cy="5410200"/>
+          </a:xfrm>
+        </p:spPr>
+        <p:txBody>
+          <a:bodyPr>
+            <a:normAutofit/>
+          </a:bodyPr>
+          <a:lstStyle/>
+          <a:p>
+            <a:r>
+              <a:rPr lang="en-US" sz="1600" dirty="0"/>
+              <a:t>By </a:t>
+            </a:r>
+            <a:r>
+              <a:rPr lang="en-US" sz="1600" dirty="0" smtClean="0"/>
+              <a:t>default, </a:t>
+            </a:r>
+            <a:r>
+              <a:rPr lang="en-US" sz="1600" dirty="0" err="1" smtClean="0"/>
+              <a:t>docker</a:t>
+            </a:r>
+            <a:r>
+              <a:rPr lang="en-US" sz="1600" dirty="0" smtClean="0"/>
+              <a:t> provide some </a:t>
+            </a:r>
+            <a:r>
+              <a:rPr lang="en-US" sz="1600" dirty="0"/>
+              <a:t>network</a:t>
+            </a:r>
+            <a:r>
+              <a:rPr lang="en-US" sz="1600" dirty="0" smtClean="0"/>
+              <a:t>.</a:t>
+            </a:r>
+          </a:p>
+          <a:p>
+            <a:r>
+              <a:rPr lang="en-US" sz="1600" dirty="0"/>
+              <a:t>By default, a container is connected to bridge network</a:t>
+            </a:r>
+            <a:r>
+              <a:rPr lang="en-US" sz="1600" dirty="0" smtClean="0"/>
+              <a:t>.</a:t>
+            </a:r>
+          </a:p>
+          <a:p>
+            <a:r>
+              <a:rPr lang="en-US" sz="1600" dirty="0"/>
+              <a:t>Run </a:t>
+            </a:r>
+            <a:r>
+              <a:rPr lang="en-US" sz="1600" b="1" dirty="0" err="1"/>
+              <a:t>ifconfig</a:t>
+            </a:r>
+            <a:r>
+              <a:rPr lang="en-US" sz="1600" dirty="0"/>
+              <a:t> command to show all networks and virtual host.</a:t>
+            </a:r>
+          </a:p>
+          <a:p>
+            <a:r>
+              <a:rPr lang="en-US" sz="1600" dirty="0"/>
+              <a:t>Whenever we attach container to network, it always create pair. One </a:t>
+            </a:r>
+            <a:r>
+              <a:rPr lang="en-US" sz="1600" b="1" dirty="0" err="1"/>
+              <a:t>veth</a:t>
+            </a:r>
+            <a:r>
+              <a:rPr lang="en-US" sz="1600" dirty="0"/>
+              <a:t> will be in </a:t>
+            </a:r>
+            <a:r>
+              <a:rPr lang="en-US" sz="1600" dirty="0" err="1"/>
+              <a:t>docker</a:t>
+            </a:r>
+            <a:r>
+              <a:rPr lang="en-US" sz="1600" dirty="0"/>
+              <a:t> and </a:t>
+            </a:r>
+            <a:r>
+              <a:rPr lang="en-US" sz="1600" dirty="0" smtClean="0"/>
+              <a:t>another </a:t>
+            </a:r>
+            <a:r>
+              <a:rPr lang="en-US" sz="1600" b="1" dirty="0" smtClean="0"/>
+              <a:t>eth</a:t>
+            </a:r>
+            <a:r>
+              <a:rPr lang="en-US" sz="1600" dirty="0" smtClean="0"/>
+              <a:t> </a:t>
+            </a:r>
+            <a:r>
+              <a:rPr lang="en-US" sz="1600" dirty="0"/>
+              <a:t>will be inside container.</a:t>
+            </a:r>
+          </a:p>
+          <a:p>
+            <a:pPr marL="0" indent="0">
+              <a:buNone/>
+            </a:pPr>
+            <a:endParaRPr lang="en-US" sz="1600" dirty="0" smtClean="0"/>
+          </a:p>
+          <a:p>
+            <a:pPr marL="0" indent="0">
+              <a:buNone/>
+            </a:pPr>
+            <a:endParaRPr lang="en-US" sz="1600" dirty="0"/>
+          </a:p>
+        </p:txBody>
+      </p:sp>
+      <p:pic>
+        <p:nvPicPr>
+          <p:cNvPr id="4" name="Picture 3"/>
+          <p:cNvPicPr/>
+          <p:nvPr/>
+        </p:nvPicPr>
+        <p:blipFill>
+          <a:blip r:embed="rId2"/>
+          <a:stretch>
+            <a:fillRect/>
+          </a:stretch>
+        </p:blipFill>
+        <p:spPr>
+          <a:xfrm>
+            <a:off x="838200" y="2971800"/>
+            <a:ext cx="7467600" cy="3200400"/>
+          </a:xfrm>
+          <a:prstGeom prst="rect">
+            <a:avLst/>
+          </a:prstGeom>
+        </p:spPr>
+      </p:pic>
     </p:spTree>
     <p:extLst>
       <p:ext uri="{BB962C8B-B14F-4D97-AF65-F5344CB8AC3E}">
-        <p14:creationId xmlns:p14="http://schemas.microsoft.com/office/powerpoint/2010/main" val="911753239"/>
+        <p14:creationId xmlns:p14="http://schemas.microsoft.com/office/powerpoint/2010/main" val="103363397"/>
+      </p:ext>
+    </p:extLst>
+  </p:cSld>
+  <p:clrMapOvr>
+    <a:masterClrMapping/>
+  </p:clrMapOvr>
+  <p:timing>
+    <p:tnLst>
+      <p:par>
+        <p:cTn id="1" dur="indefinite" restart="never" nodeType="tmRoot"/>
+      </p:par>
+    </p:tnLst>
+  </p:timing>
+</p:sld>
+</file>
+
+<file path=ppt/slides/slide24.xml><?xml version="1.0" encoding="utf-8"?>
+<p:sld xmlns:a="http://schemas.openxmlformats.org/drawingml/2006/main" xmlns:r="http://schemas.openxmlformats.org/officeDocument/2006/relationships" xmlns:p="http://schemas.openxmlformats.org/presentationml/2006/main">
+  <p:cSld>
+    <p:spTree>
+      <p:nvGrpSpPr>
+        <p:cNvPr id="1" name=""/>
+        <p:cNvGrpSpPr/>
+        <p:nvPr/>
+      </p:nvGrpSpPr>
+      <p:grpSpPr>
+        <a:xfrm>
+          <a:off x="0" y="0"/>
+          <a:ext cx="0" cy="0"/>
+          <a:chOff x="0" y="0"/>
+          <a:chExt cx="0" cy="0"/>
+        </a:xfrm>
+      </p:grpSpPr>
+      <p:sp>
+        <p:nvSpPr>
+          <p:cNvPr id="2" name="Title 1"/>
+          <p:cNvSpPr>
+            <a:spLocks noGrp="1"/>
+          </p:cNvSpPr>
+          <p:nvPr>
+            <p:ph type="title"/>
+          </p:nvPr>
+        </p:nvSpPr>
+        <p:spPr>
+          <a:xfrm>
+            <a:off x="457200" y="274638"/>
+            <a:ext cx="8229600" cy="715962"/>
+          </a:xfrm>
+        </p:spPr>
+        <p:txBody>
+          <a:bodyPr>
+            <a:normAutofit fontScale="90000"/>
+          </a:bodyPr>
+          <a:lstStyle/>
+          <a:p>
+            <a:r>
+              <a:rPr lang="en-US" dirty="0" err="1"/>
+              <a:t>Docker</a:t>
+            </a:r>
+            <a:r>
+              <a:rPr lang="en-US" dirty="0"/>
+              <a:t> Networking</a:t>
+            </a:r>
+          </a:p>
+        </p:txBody>
+      </p:sp>
+      <p:sp>
+        <p:nvSpPr>
+          <p:cNvPr id="3" name="Content Placeholder 2"/>
+          <p:cNvSpPr>
+            <a:spLocks noGrp="1"/>
+          </p:cNvSpPr>
+          <p:nvPr>
+            <p:ph idx="1"/>
+          </p:nvPr>
+        </p:nvSpPr>
+        <p:spPr>
+          <a:xfrm>
+            <a:off x="457200" y="1219200"/>
+            <a:ext cx="8229600" cy="5334000"/>
+          </a:xfrm>
+        </p:spPr>
+        <p:txBody>
+          <a:bodyPr>
+            <a:normAutofit/>
+          </a:bodyPr>
+          <a:lstStyle/>
+          <a:p>
+            <a:r>
+              <a:rPr lang="en-US" sz="1600" dirty="0" err="1" smtClean="0"/>
+              <a:t>docker</a:t>
+            </a:r>
+            <a:r>
+              <a:rPr lang="en-US" sz="1600" dirty="0" smtClean="0"/>
+              <a:t> network </a:t>
+            </a:r>
+            <a:r>
+              <a:rPr lang="en-US" sz="1600" dirty="0" err="1" smtClean="0"/>
+              <a:t>ls</a:t>
+            </a:r>
+            <a:endParaRPr lang="en-US" sz="1600" dirty="0" smtClean="0"/>
+          </a:p>
+          <a:p>
+            <a:pPr lvl="1"/>
+            <a:r>
+              <a:rPr lang="en-US" sz="1200" dirty="0" smtClean="0"/>
+              <a:t>List all the network</a:t>
+            </a:r>
+          </a:p>
+          <a:p>
+            <a:r>
+              <a:rPr lang="en-US" sz="1600" dirty="0" err="1" smtClean="0"/>
+              <a:t>docker</a:t>
+            </a:r>
+            <a:r>
+              <a:rPr lang="en-US" sz="1600" dirty="0" smtClean="0"/>
+              <a:t> network create –d &lt;network driver type&gt; &lt;network custom name&gt;</a:t>
+            </a:r>
+            <a:endParaRPr lang="en-US" sz="1200" dirty="0" smtClean="0"/>
+          </a:p>
+          <a:p>
+            <a:r>
+              <a:rPr lang="en-US" sz="1600" dirty="0" err="1"/>
+              <a:t>d</a:t>
+            </a:r>
+            <a:r>
+              <a:rPr lang="en-US" sz="1600" dirty="0" err="1" smtClean="0"/>
+              <a:t>ocker</a:t>
+            </a:r>
+            <a:r>
+              <a:rPr lang="en-US" sz="1600" dirty="0" smtClean="0"/>
+              <a:t> network create –d bridge </a:t>
+            </a:r>
+            <a:r>
+              <a:rPr lang="en-US" sz="1600" dirty="0" err="1" smtClean="0"/>
+              <a:t>pankaj</a:t>
+            </a:r>
+            <a:endParaRPr lang="en-US" sz="1600" dirty="0" smtClean="0"/>
+          </a:p>
+          <a:p>
+            <a:pPr lvl="1"/>
+            <a:r>
+              <a:rPr lang="en-US" sz="1200" dirty="0"/>
+              <a:t>Create a network with specified driver type. If we do not specify driver type, by default it will take as bridge.</a:t>
+            </a:r>
+            <a:endParaRPr lang="en-US" sz="1200" dirty="0" smtClean="0"/>
+          </a:p>
+          <a:p>
+            <a:r>
+              <a:rPr lang="en-US" sz="1600" dirty="0" err="1"/>
+              <a:t>d</a:t>
+            </a:r>
+            <a:r>
+              <a:rPr lang="en-US" sz="1600" dirty="0" err="1" smtClean="0"/>
+              <a:t>ocker</a:t>
+            </a:r>
+            <a:r>
+              <a:rPr lang="en-US" sz="1600" dirty="0" smtClean="0"/>
+              <a:t> network inspect &lt;network name&gt;</a:t>
+            </a:r>
+          </a:p>
+          <a:p>
+            <a:pPr lvl="1"/>
+            <a:r>
+              <a:rPr lang="en-US" sz="1200" dirty="0" smtClean="0"/>
+              <a:t>Inspect the network</a:t>
+            </a:r>
+          </a:p>
+          <a:p>
+            <a:r>
+              <a:rPr lang="en-US" sz="1600" dirty="0" err="1"/>
+              <a:t>d</a:t>
+            </a:r>
+            <a:r>
+              <a:rPr lang="en-US" sz="1600" dirty="0" err="1" smtClean="0"/>
+              <a:t>ocker</a:t>
+            </a:r>
+            <a:r>
+              <a:rPr lang="en-US" sz="1600" dirty="0" smtClean="0"/>
+              <a:t> network </a:t>
+            </a:r>
+            <a:r>
+              <a:rPr lang="en-US" sz="1600" dirty="0" err="1" smtClean="0"/>
+              <a:t>rm</a:t>
+            </a:r>
+            <a:r>
+              <a:rPr lang="en-US" sz="1600" dirty="0" smtClean="0"/>
+              <a:t> &lt;network name&gt;</a:t>
+            </a:r>
+          </a:p>
+          <a:p>
+            <a:pPr lvl="1"/>
+            <a:r>
+              <a:rPr lang="en-US" sz="1200" dirty="0" smtClean="0"/>
+              <a:t>Remove a network</a:t>
+            </a:r>
+          </a:p>
+          <a:p>
+            <a:r>
+              <a:rPr lang="en-US" sz="1600" dirty="0" err="1"/>
+              <a:t>d</a:t>
+            </a:r>
+            <a:r>
+              <a:rPr lang="en-US" sz="1600" dirty="0" err="1" smtClean="0"/>
+              <a:t>ocker</a:t>
+            </a:r>
+            <a:r>
+              <a:rPr lang="en-US" sz="1600" dirty="0" smtClean="0"/>
+              <a:t> network prune</a:t>
+            </a:r>
+          </a:p>
+          <a:p>
+            <a:pPr lvl="1"/>
+            <a:r>
+              <a:rPr lang="en-US" sz="1200" dirty="0" smtClean="0"/>
+              <a:t>Remove all unused network</a:t>
+            </a:r>
+          </a:p>
+          <a:p>
+            <a:r>
+              <a:rPr lang="en-US" sz="1600" dirty="0" err="1"/>
+              <a:t>d</a:t>
+            </a:r>
+            <a:r>
+              <a:rPr lang="en-US" sz="1600" dirty="0" err="1" smtClean="0"/>
+              <a:t>ocker</a:t>
+            </a:r>
+            <a:r>
+              <a:rPr lang="en-US" sz="1600" dirty="0" smtClean="0"/>
+              <a:t> network connect &lt;network name&gt; &lt;container name&gt;</a:t>
+            </a:r>
+          </a:p>
+          <a:p>
+            <a:pPr lvl="1"/>
+            <a:r>
+              <a:rPr lang="en-US" sz="1200" dirty="0" smtClean="0"/>
+              <a:t>Connect a network to the container</a:t>
+            </a:r>
+          </a:p>
+          <a:p>
+            <a:r>
+              <a:rPr lang="en-US" sz="1600" dirty="0" err="1"/>
+              <a:t>d</a:t>
+            </a:r>
+            <a:r>
+              <a:rPr lang="en-US" sz="1600" dirty="0" err="1" smtClean="0"/>
+              <a:t>ocker</a:t>
+            </a:r>
+            <a:r>
+              <a:rPr lang="en-US" sz="1600" dirty="0" smtClean="0"/>
+              <a:t> network disconnect &lt;network name&gt; &lt;container name&gt;</a:t>
+            </a:r>
+          </a:p>
+          <a:p>
+            <a:pPr lvl="1"/>
+            <a:r>
+              <a:rPr lang="en-US" sz="1200" dirty="0" smtClean="0"/>
+              <a:t>Disconnect a network from a container.</a:t>
+            </a:r>
+          </a:p>
+          <a:p>
+            <a:r>
+              <a:rPr lang="en-US" sz="1600" dirty="0" err="1" smtClean="0"/>
+              <a:t>Docker</a:t>
+            </a:r>
+            <a:r>
+              <a:rPr lang="en-US" sz="1600" dirty="0" smtClean="0"/>
+              <a:t> container run –it --network=&lt;network name&gt; &lt;image name&gt; &lt;command&gt;</a:t>
+            </a:r>
+          </a:p>
+          <a:p>
+            <a:r>
+              <a:rPr lang="en-US" sz="1600" dirty="0" err="1" smtClean="0"/>
+              <a:t>Docker</a:t>
+            </a:r>
+            <a:r>
+              <a:rPr lang="en-US" sz="1600" dirty="0" smtClean="0"/>
+              <a:t> container run –it --network=</a:t>
+            </a:r>
+            <a:r>
+              <a:rPr lang="en-US" sz="1600" dirty="0" err="1" smtClean="0"/>
+              <a:t>pankaj</a:t>
+            </a:r>
+            <a:r>
+              <a:rPr lang="en-US" sz="1600" dirty="0" smtClean="0"/>
+              <a:t> </a:t>
+            </a:r>
+            <a:r>
+              <a:rPr lang="en-US" sz="1600" dirty="0" err="1" smtClean="0"/>
+              <a:t>ubuntu</a:t>
+            </a:r>
+            <a:r>
+              <a:rPr lang="en-US" sz="1600" dirty="0" smtClean="0"/>
+              <a:t> /bin/bash</a:t>
+            </a:r>
+          </a:p>
+          <a:p>
+            <a:pPr lvl="1"/>
+            <a:r>
+              <a:rPr lang="en-US" sz="1200" dirty="0" smtClean="0"/>
+              <a:t>Run a </a:t>
+            </a:r>
+            <a:r>
+              <a:rPr lang="en-US" sz="1200" dirty="0" err="1" smtClean="0"/>
+              <a:t>ubuntu</a:t>
+            </a:r>
+            <a:r>
+              <a:rPr lang="en-US" sz="1200" dirty="0" smtClean="0"/>
+              <a:t> container and assign ‘</a:t>
+            </a:r>
+            <a:r>
+              <a:rPr lang="en-US" sz="1200" dirty="0" err="1" smtClean="0"/>
+              <a:t>pankaj</a:t>
+            </a:r>
+            <a:r>
+              <a:rPr lang="en-US" sz="1200" dirty="0" smtClean="0"/>
+              <a:t>’ network to it.</a:t>
+            </a:r>
+            <a:endParaRPr lang="en-US" sz="1200" dirty="0"/>
+          </a:p>
+        </p:txBody>
+      </p:sp>
+    </p:spTree>
+    <p:extLst>
+      <p:ext uri="{BB962C8B-B14F-4D97-AF65-F5344CB8AC3E}">
+        <p14:creationId xmlns:p14="http://schemas.microsoft.com/office/powerpoint/2010/main" val="369781862"/>
+      </p:ext>
+    </p:extLst>
+  </p:cSld>
+  <p:clrMapOvr>
+    <a:masterClrMapping/>
+  </p:clrMapOvr>
+  <p:timing>
+    <p:tnLst>
+      <p:par>
+        <p:cTn id="1" dur="indefinite" restart="never" nodeType="tmRoot"/>
+      </p:par>
+    </p:tnLst>
+  </p:timing>
+</p:sld>
+</file>
+
+<file path=ppt/slides/slide25.xml><?xml version="1.0" encoding="utf-8"?>
+<p:sld xmlns:a="http://schemas.openxmlformats.org/drawingml/2006/main" xmlns:r="http://schemas.openxmlformats.org/officeDocument/2006/relationships" xmlns:p="http://schemas.openxmlformats.org/presentationml/2006/main">
+  <p:cSld>
+    <p:spTree>
+      <p:nvGrpSpPr>
+        <p:cNvPr id="1" name=""/>
+        <p:cNvGrpSpPr/>
+        <p:nvPr/>
+      </p:nvGrpSpPr>
+      <p:grpSpPr>
+        <a:xfrm>
+          <a:off x="0" y="0"/>
+          <a:ext cx="0" cy="0"/>
+          <a:chOff x="0" y="0"/>
+          <a:chExt cx="0" cy="0"/>
+        </a:xfrm>
+      </p:grpSpPr>
+      <p:sp>
+        <p:nvSpPr>
+          <p:cNvPr id="2" name="Title 1"/>
+          <p:cNvSpPr>
+            <a:spLocks noGrp="1"/>
+          </p:cNvSpPr>
+          <p:nvPr>
+            <p:ph type="title"/>
+          </p:nvPr>
+        </p:nvSpPr>
+        <p:spPr>
+          <a:xfrm>
+            <a:off x="457200" y="274638"/>
+            <a:ext cx="8229600" cy="792162"/>
+          </a:xfrm>
+        </p:spPr>
+        <p:txBody>
+          <a:bodyPr>
+            <a:normAutofit/>
+          </a:bodyPr>
+          <a:lstStyle/>
+          <a:p>
+            <a:r>
+              <a:rPr lang="en-US" sz="4000" dirty="0" err="1" smtClean="0"/>
+              <a:t>Docker</a:t>
+            </a:r>
+            <a:r>
+              <a:rPr lang="en-US" sz="4000" dirty="0" smtClean="0"/>
+              <a:t> Bridge Network</a:t>
+            </a:r>
+            <a:endParaRPr lang="en-US" sz="4000" dirty="0"/>
+          </a:p>
+        </p:txBody>
+      </p:sp>
+      <p:sp>
+        <p:nvSpPr>
+          <p:cNvPr id="3" name="Content Placeholder 2"/>
+          <p:cNvSpPr>
+            <a:spLocks noGrp="1"/>
+          </p:cNvSpPr>
+          <p:nvPr>
+            <p:ph idx="1"/>
+          </p:nvPr>
+        </p:nvSpPr>
+        <p:spPr>
+          <a:xfrm>
+            <a:off x="457200" y="1219200"/>
+            <a:ext cx="8229600" cy="5410200"/>
+          </a:xfrm>
+        </p:spPr>
+        <p:txBody>
+          <a:bodyPr>
+            <a:normAutofit/>
+          </a:bodyPr>
+          <a:lstStyle/>
+          <a:p>
+            <a:r>
+              <a:rPr lang="en-US" sz="1600" dirty="0"/>
+              <a:t>Create 2 container and attach them with </a:t>
+            </a:r>
+            <a:r>
+              <a:rPr lang="en-US" sz="1600" dirty="0" err="1"/>
+              <a:t>pankaj</a:t>
+            </a:r>
+            <a:r>
+              <a:rPr lang="en-US" sz="1600" dirty="0"/>
+              <a:t> network. And create another container attach it with default network.</a:t>
+            </a:r>
+            <a:endParaRPr lang="en-US" sz="1600" dirty="0" smtClean="0"/>
+          </a:p>
+          <a:p>
+            <a:r>
+              <a:rPr lang="en-US" sz="1600" dirty="0"/>
+              <a:t>Now type command as “</a:t>
+            </a:r>
+            <a:r>
+              <a:rPr lang="en-US" sz="1600" dirty="0" err="1"/>
+              <a:t>ip</a:t>
+            </a:r>
+            <a:r>
+              <a:rPr lang="en-US" sz="1600" dirty="0"/>
+              <a:t> a”. You will see the virtual </a:t>
+            </a:r>
+            <a:r>
+              <a:rPr lang="en-US" sz="1600" dirty="0" err="1"/>
+              <a:t>ethernet</a:t>
+            </a:r>
+            <a:r>
+              <a:rPr lang="en-US" sz="1600" dirty="0"/>
+              <a:t> and with which container they are connected</a:t>
+            </a:r>
+            <a:r>
+              <a:rPr lang="en-US" sz="1600" dirty="0" smtClean="0"/>
+              <a:t>.</a:t>
+            </a:r>
+          </a:p>
+          <a:p>
+            <a:r>
+              <a:rPr lang="en-US" sz="1600" dirty="0"/>
+              <a:t>If my two container are attached in same network, then we can ping each other by going inside them directly without opening the port. But if containers are not connected like one is connected to default container and another is connected to </a:t>
+            </a:r>
+            <a:r>
+              <a:rPr lang="en-US" sz="1600" dirty="0" err="1"/>
+              <a:t>pankaj</a:t>
+            </a:r>
+            <a:r>
+              <a:rPr lang="en-US" sz="1600" dirty="0"/>
+              <a:t> container, then we can’t ping each other, if you want to ping then you have to open the port.</a:t>
+            </a:r>
+          </a:p>
+          <a:p>
+            <a:pPr marL="0" indent="0">
+              <a:buNone/>
+            </a:pPr>
+            <a:endParaRPr lang="en-US" sz="1600" dirty="0" smtClean="0"/>
+          </a:p>
+          <a:p>
+            <a:pPr marL="0" indent="0">
+              <a:buNone/>
+            </a:pPr>
+            <a:endParaRPr lang="en-US" sz="1600" dirty="0"/>
+          </a:p>
+        </p:txBody>
+      </p:sp>
+      <p:pic>
+        <p:nvPicPr>
+          <p:cNvPr id="5" name="Picture 4"/>
+          <p:cNvPicPr/>
+          <p:nvPr/>
+        </p:nvPicPr>
+        <p:blipFill>
+          <a:blip r:embed="rId2"/>
+          <a:stretch>
+            <a:fillRect/>
+          </a:stretch>
+        </p:blipFill>
+        <p:spPr>
+          <a:xfrm>
+            <a:off x="457200" y="3657600"/>
+            <a:ext cx="7848600" cy="2943225"/>
+          </a:xfrm>
+          <a:prstGeom prst="rect">
+            <a:avLst/>
+          </a:prstGeom>
+        </p:spPr>
+      </p:pic>
+    </p:spTree>
+    <p:extLst>
+      <p:ext uri="{BB962C8B-B14F-4D97-AF65-F5344CB8AC3E}">
+        <p14:creationId xmlns:p14="http://schemas.microsoft.com/office/powerpoint/2010/main" val="3376044863"/>
+      </p:ext>
+    </p:extLst>
+  </p:cSld>
+  <p:clrMapOvr>
+    <a:masterClrMapping/>
+  </p:clrMapOvr>
+  <p:timing>
+    <p:tnLst>
+      <p:par>
+        <p:cTn id="1" dur="indefinite" restart="never" nodeType="tmRoot"/>
+      </p:par>
+    </p:tnLst>
+  </p:timing>
+</p:sld>
+</file>
+
+<file path=ppt/slides/slide26.xml><?xml version="1.0" encoding="utf-8"?>
+<p:sld xmlns:a="http://schemas.openxmlformats.org/drawingml/2006/main" xmlns:r="http://schemas.openxmlformats.org/officeDocument/2006/relationships" xmlns:p="http://schemas.openxmlformats.org/presentationml/2006/main">
+  <p:cSld>
+    <p:spTree>
+      <p:nvGrpSpPr>
+        <p:cNvPr id="1" name=""/>
+        <p:cNvGrpSpPr/>
+        <p:nvPr/>
+      </p:nvGrpSpPr>
+      <p:grpSpPr>
+        <a:xfrm>
+          <a:off x="0" y="0"/>
+          <a:ext cx="0" cy="0"/>
+          <a:chOff x="0" y="0"/>
+          <a:chExt cx="0" cy="0"/>
+        </a:xfrm>
+      </p:grpSpPr>
+      <p:sp>
+        <p:nvSpPr>
+          <p:cNvPr id="2" name="Title 1"/>
+          <p:cNvSpPr>
+            <a:spLocks noGrp="1"/>
+          </p:cNvSpPr>
+          <p:nvPr>
+            <p:ph type="title"/>
+          </p:nvPr>
+        </p:nvSpPr>
+        <p:spPr>
+          <a:xfrm>
+            <a:off x="457200" y="274638"/>
+            <a:ext cx="8229600" cy="715962"/>
+          </a:xfrm>
+        </p:spPr>
+        <p:txBody>
+          <a:bodyPr>
+            <a:normAutofit fontScale="90000"/>
+          </a:bodyPr>
+          <a:lstStyle/>
+          <a:p>
+            <a:r>
+              <a:rPr lang="en-US" dirty="0" err="1" smtClean="0"/>
+              <a:t>Docker</a:t>
+            </a:r>
+            <a:r>
+              <a:rPr lang="en-US" dirty="0" smtClean="0"/>
+              <a:t> Networking (DNS Enable)</a:t>
+            </a:r>
+            <a:endParaRPr lang="en-US" dirty="0"/>
+          </a:p>
+        </p:txBody>
+      </p:sp>
+      <p:sp>
+        <p:nvSpPr>
+          <p:cNvPr id="3" name="Content Placeholder 2"/>
+          <p:cNvSpPr>
+            <a:spLocks noGrp="1"/>
+          </p:cNvSpPr>
+          <p:nvPr>
+            <p:ph idx="1"/>
+          </p:nvPr>
+        </p:nvSpPr>
+        <p:spPr>
+          <a:xfrm>
+            <a:off x="457200" y="1066800"/>
+            <a:ext cx="8229600" cy="5562600"/>
+          </a:xfrm>
+        </p:spPr>
+        <p:txBody>
+          <a:bodyPr>
+            <a:normAutofit/>
+          </a:bodyPr>
+          <a:lstStyle/>
+          <a:p>
+            <a:r>
+              <a:rPr lang="en-US" sz="1600" dirty="0"/>
+              <a:t>Till now we were pinging using IP address of container. Now we want to ping through hostname.</a:t>
+            </a:r>
+          </a:p>
+          <a:p>
+            <a:r>
+              <a:rPr lang="en-US" sz="1600" dirty="0"/>
+              <a:t>When we create a custom network, then DNS is by default enabled in that network. Means we can ping a container by it’s hostname from another container, but they should be in same custom network.</a:t>
+            </a:r>
+          </a:p>
+          <a:p>
+            <a:r>
+              <a:rPr lang="en-US" sz="1600" dirty="0" err="1"/>
+              <a:t>Docker</a:t>
+            </a:r>
+            <a:r>
+              <a:rPr lang="en-US" sz="1600" dirty="0"/>
+              <a:t> provide bridge network by default, in this default bridge network DNS is not enabled. But I want that DNS should be enabled in the bridge network, in that case first you delete the default bridge network and create a custom network with bridge name and bridge driver. Now this bridge network became custom network, and hostname is enabled here also.</a:t>
+            </a:r>
+          </a:p>
+        </p:txBody>
+      </p:sp>
+    </p:spTree>
+    <p:extLst>
+      <p:ext uri="{BB962C8B-B14F-4D97-AF65-F5344CB8AC3E}">
+        <p14:creationId xmlns:p14="http://schemas.microsoft.com/office/powerpoint/2010/main" val="2950414602"/>
+      </p:ext>
+    </p:extLst>
+  </p:cSld>
+  <p:clrMapOvr>
+    <a:masterClrMapping/>
+  </p:clrMapOvr>
+  <p:timing>
+    <p:tnLst>
+      <p:par>
+        <p:cTn id="1" dur="indefinite" restart="never" nodeType="tmRoot"/>
+      </p:par>
+    </p:tnLst>
+  </p:timing>
+</p:sld>
+</file>
+
+<file path=ppt/slides/slide27.xml><?xml version="1.0" encoding="utf-8"?>
+<p:sld xmlns:a="http://schemas.openxmlformats.org/drawingml/2006/main" xmlns:r="http://schemas.openxmlformats.org/officeDocument/2006/relationships" xmlns:p="http://schemas.openxmlformats.org/presentationml/2006/main">
+  <p:cSld>
+    <p:spTree>
+      <p:nvGrpSpPr>
+        <p:cNvPr id="1" name=""/>
+        <p:cNvGrpSpPr/>
+        <p:nvPr/>
+      </p:nvGrpSpPr>
+      <p:grpSpPr>
+        <a:xfrm>
+          <a:off x="0" y="0"/>
+          <a:ext cx="0" cy="0"/>
+          <a:chOff x="0" y="0"/>
+          <a:chExt cx="0" cy="0"/>
+        </a:xfrm>
+      </p:grpSpPr>
+      <p:sp>
+        <p:nvSpPr>
+          <p:cNvPr id="2" name="Title 1"/>
+          <p:cNvSpPr>
+            <a:spLocks noGrp="1"/>
+          </p:cNvSpPr>
+          <p:nvPr>
+            <p:ph type="title"/>
+          </p:nvPr>
+        </p:nvSpPr>
+        <p:spPr>
+          <a:xfrm>
+            <a:off x="457200" y="274638"/>
+            <a:ext cx="8229600" cy="715962"/>
+          </a:xfrm>
+        </p:spPr>
+        <p:txBody>
+          <a:bodyPr>
+            <a:normAutofit fontScale="90000"/>
+          </a:bodyPr>
+          <a:lstStyle/>
+          <a:p>
+            <a:r>
+              <a:rPr lang="en-US" dirty="0" err="1" smtClean="0"/>
+              <a:t>Docker</a:t>
+            </a:r>
+            <a:r>
+              <a:rPr lang="en-US" dirty="0" smtClean="0"/>
+              <a:t> Host and Null Network</a:t>
+            </a:r>
+            <a:endParaRPr lang="en-US" dirty="0"/>
+          </a:p>
+        </p:txBody>
+      </p:sp>
+      <p:sp>
+        <p:nvSpPr>
+          <p:cNvPr id="3" name="Content Placeholder 2"/>
+          <p:cNvSpPr>
+            <a:spLocks noGrp="1"/>
+          </p:cNvSpPr>
+          <p:nvPr>
+            <p:ph idx="1"/>
+          </p:nvPr>
+        </p:nvSpPr>
+        <p:spPr>
+          <a:xfrm>
+            <a:off x="457200" y="1066800"/>
+            <a:ext cx="8229600" cy="5562600"/>
+          </a:xfrm>
+        </p:spPr>
+        <p:txBody>
+          <a:bodyPr>
+            <a:normAutofit/>
+          </a:bodyPr>
+          <a:lstStyle/>
+          <a:p>
+            <a:r>
+              <a:rPr lang="en-US" sz="1600" dirty="0"/>
+              <a:t>When we create a container, by default it create a lot of Namespace (PID, NAME, Network, MOUNT, IPC, USERNAME). If we use Host network while creating container, then our NETWORK namespace will not be isolated. My entire container will be isolated, except NETWORK namespace.</a:t>
+            </a:r>
+          </a:p>
+          <a:p>
+            <a:r>
+              <a:rPr lang="en-US" sz="1600" dirty="0"/>
+              <a:t>If you will create container using Host network, then type “</a:t>
+            </a:r>
+            <a:r>
+              <a:rPr lang="en-US" sz="1600" dirty="0" err="1"/>
+              <a:t>ifconfig</a:t>
+            </a:r>
+            <a:r>
+              <a:rPr lang="en-US" sz="1600" dirty="0"/>
+              <a:t>” command in </a:t>
+            </a:r>
+            <a:r>
+              <a:rPr lang="en-US" sz="1600" dirty="0" err="1"/>
+              <a:t>docker</a:t>
+            </a:r>
+            <a:r>
+              <a:rPr lang="en-US" sz="1600" dirty="0"/>
+              <a:t> host and </a:t>
+            </a:r>
+            <a:r>
+              <a:rPr lang="en-US" sz="1600" dirty="0" err="1"/>
+              <a:t>docker</a:t>
+            </a:r>
+            <a:r>
+              <a:rPr lang="en-US" sz="1600" dirty="0"/>
+              <a:t> container, you will find same output.</a:t>
+            </a:r>
+          </a:p>
+          <a:p>
+            <a:r>
+              <a:rPr lang="en-US" sz="1600" dirty="0"/>
+              <a:t>We can’t create more than one host network. By default, </a:t>
+            </a:r>
+            <a:r>
+              <a:rPr lang="en-US" sz="1600" dirty="0" err="1"/>
+              <a:t>docker</a:t>
+            </a:r>
+            <a:r>
+              <a:rPr lang="en-US" sz="1600" dirty="0"/>
+              <a:t> network give us a host name network whose driver type is host. If we try to create custom network with another name and give it’s driver type as host, then it will show error</a:t>
+            </a:r>
+            <a:r>
+              <a:rPr lang="en-US" sz="1600" dirty="0" smtClean="0"/>
+              <a:t>.</a:t>
+            </a:r>
+          </a:p>
+          <a:p>
+            <a:endParaRPr lang="en-US" sz="1600" dirty="0"/>
+          </a:p>
+          <a:p>
+            <a:endParaRPr lang="en-US" sz="1600" dirty="0" smtClean="0"/>
+          </a:p>
+          <a:p>
+            <a:r>
+              <a:rPr lang="en-US" sz="1600" dirty="0"/>
+              <a:t>If you want  that you container should not attach to any network, then assign None network to that container while creating container.</a:t>
+            </a:r>
+          </a:p>
+          <a:p>
+            <a:pPr lvl="1"/>
+            <a:r>
+              <a:rPr lang="en-US" sz="1200" dirty="0"/>
+              <a:t>--</a:t>
+            </a:r>
+            <a:r>
+              <a:rPr lang="en-US" sz="1200" dirty="0" smtClean="0"/>
+              <a:t>network=none</a:t>
+            </a:r>
+            <a:endParaRPr lang="en-US" sz="1200" dirty="0"/>
+          </a:p>
+        </p:txBody>
+      </p:sp>
+    </p:spTree>
+    <p:extLst>
+      <p:ext uri="{BB962C8B-B14F-4D97-AF65-F5344CB8AC3E}">
+        <p14:creationId xmlns:p14="http://schemas.microsoft.com/office/powerpoint/2010/main" val="1835097952"/>
+      </p:ext>
+    </p:extLst>
+  </p:cSld>
+  <p:clrMapOvr>
+    <a:masterClrMapping/>
+  </p:clrMapOvr>
+  <p:timing>
+    <p:tnLst>
+      <p:par>
+        <p:cTn id="1" dur="indefinite" restart="never" nodeType="tmRoot"/>
+      </p:par>
+    </p:tnLst>
+  </p:timing>
+</p:sld>
+</file>
+
+<file path=ppt/slides/slide28.xml><?xml version="1.0" encoding="utf-8"?>
+<p:sld xmlns:a="http://schemas.openxmlformats.org/drawingml/2006/main" xmlns:r="http://schemas.openxmlformats.org/officeDocument/2006/relationships" xmlns:p="http://schemas.openxmlformats.org/presentationml/2006/main">
+  <p:cSld>
+    <p:spTree>
+      <p:nvGrpSpPr>
+        <p:cNvPr id="1" name=""/>
+        <p:cNvGrpSpPr/>
+        <p:nvPr/>
+      </p:nvGrpSpPr>
+      <p:grpSpPr>
+        <a:xfrm>
+          <a:off x="0" y="0"/>
+          <a:ext cx="0" cy="0"/>
+          <a:chOff x="0" y="0"/>
+          <a:chExt cx="0" cy="0"/>
+        </a:xfrm>
+      </p:grpSpPr>
+      <p:sp>
+        <p:nvSpPr>
+          <p:cNvPr id="2" name="Title 1"/>
+          <p:cNvSpPr>
+            <a:spLocks noGrp="1"/>
+          </p:cNvSpPr>
+          <p:nvPr>
+            <p:ph type="title"/>
+          </p:nvPr>
+        </p:nvSpPr>
+        <p:spPr>
+          <a:xfrm>
+            <a:off x="457200" y="274638"/>
+            <a:ext cx="8229600" cy="715962"/>
+          </a:xfrm>
+        </p:spPr>
+        <p:txBody>
+          <a:bodyPr>
+            <a:normAutofit fontScale="90000"/>
+          </a:bodyPr>
+          <a:lstStyle/>
+          <a:p>
+            <a:r>
+              <a:rPr lang="en-US" dirty="0" err="1" smtClean="0"/>
+              <a:t>Docker</a:t>
+            </a:r>
+            <a:r>
+              <a:rPr lang="en-US" dirty="0" smtClean="0"/>
+              <a:t> Network (Connect, Disconnect)</a:t>
+            </a:r>
+            <a:endParaRPr lang="en-US" dirty="0"/>
+          </a:p>
+        </p:txBody>
+      </p:sp>
+      <p:sp>
+        <p:nvSpPr>
+          <p:cNvPr id="3" name="Content Placeholder 2"/>
+          <p:cNvSpPr>
+            <a:spLocks noGrp="1"/>
+          </p:cNvSpPr>
+          <p:nvPr>
+            <p:ph idx="1"/>
+          </p:nvPr>
+        </p:nvSpPr>
+        <p:spPr>
+          <a:xfrm>
+            <a:off x="457200" y="1066800"/>
+            <a:ext cx="8229600" cy="5562600"/>
+          </a:xfrm>
+        </p:spPr>
+        <p:txBody>
+          <a:bodyPr>
+            <a:normAutofit/>
+          </a:bodyPr>
+          <a:lstStyle/>
+          <a:p>
+            <a:r>
+              <a:rPr lang="en-US" sz="1600" dirty="0" err="1"/>
+              <a:t>Docker</a:t>
+            </a:r>
+            <a:r>
+              <a:rPr lang="en-US" sz="1600" dirty="0"/>
+              <a:t> network connect &lt;network name&gt; &lt;container name/id&gt;</a:t>
+            </a:r>
+          </a:p>
+          <a:p>
+            <a:r>
+              <a:rPr lang="en-US" sz="1600" dirty="0" err="1"/>
+              <a:t>Docker</a:t>
+            </a:r>
+            <a:r>
+              <a:rPr lang="en-US" sz="1600" dirty="0"/>
+              <a:t> network connect </a:t>
+            </a:r>
+            <a:r>
+              <a:rPr lang="en-US" sz="1600" dirty="0" err="1"/>
+              <a:t>pankaj</a:t>
+            </a:r>
+            <a:r>
+              <a:rPr lang="en-US" sz="1600" dirty="0"/>
+              <a:t> </a:t>
+            </a:r>
+            <a:r>
+              <a:rPr lang="en-US" sz="1600" dirty="0" err="1"/>
+              <a:t>my_container</a:t>
+            </a:r>
+            <a:endParaRPr lang="en-US" sz="1600" dirty="0" smtClean="0"/>
+          </a:p>
+          <a:p>
+            <a:pPr lvl="1"/>
+            <a:r>
+              <a:rPr lang="en-US" sz="1200" dirty="0" smtClean="0"/>
+              <a:t>If </a:t>
+            </a:r>
+            <a:r>
+              <a:rPr lang="en-US" sz="1200" dirty="0"/>
+              <a:t>you want to connect a container with multiple network, then we will use Connect command</a:t>
+            </a:r>
+            <a:r>
+              <a:rPr lang="en-US" sz="800" dirty="0" smtClean="0"/>
+              <a:t>.</a:t>
+            </a:r>
+          </a:p>
+          <a:p>
+            <a:r>
+              <a:rPr lang="en-US" sz="1600" dirty="0" err="1" smtClean="0"/>
+              <a:t>Exm</a:t>
+            </a:r>
+            <a:r>
+              <a:rPr lang="en-US" sz="1600" dirty="0" smtClean="0"/>
+              <a:t> :- Now </a:t>
+            </a:r>
+            <a:r>
+              <a:rPr lang="en-US" sz="1600" dirty="0"/>
+              <a:t>Create one custom bridge network. Create container with default bridge network. Came out from running container and execute Connect command to connect another custom created network to the running container.</a:t>
+            </a:r>
+          </a:p>
+          <a:p>
+            <a:r>
+              <a:rPr lang="en-US" sz="1600" dirty="0" err="1"/>
+              <a:t>Docker</a:t>
+            </a:r>
+            <a:r>
+              <a:rPr lang="en-US" sz="1600" dirty="0"/>
+              <a:t> network disconnect &lt;network name&gt; &lt;container name</a:t>
+            </a:r>
+            <a:r>
+              <a:rPr lang="en-US" sz="1600" dirty="0" smtClean="0"/>
+              <a:t>&gt;</a:t>
+            </a:r>
+          </a:p>
+          <a:p>
+            <a:r>
+              <a:rPr lang="en-US" sz="1600" dirty="0" err="1"/>
+              <a:t>Docker</a:t>
+            </a:r>
+            <a:r>
+              <a:rPr lang="en-US" sz="1600" dirty="0"/>
+              <a:t> network disconnect </a:t>
+            </a:r>
+            <a:r>
+              <a:rPr lang="en-US" sz="1600" dirty="0" err="1"/>
+              <a:t>pankaj</a:t>
+            </a:r>
+            <a:r>
+              <a:rPr lang="en-US" sz="1600" dirty="0"/>
+              <a:t> </a:t>
+            </a:r>
+            <a:r>
+              <a:rPr lang="en-US" sz="1600" dirty="0" err="1" smtClean="0"/>
+              <a:t>my_container</a:t>
+            </a:r>
+            <a:endParaRPr lang="en-US" sz="1600" dirty="0" smtClean="0"/>
+          </a:p>
+          <a:p>
+            <a:pPr lvl="1"/>
+            <a:r>
+              <a:rPr lang="en-US" sz="1200" dirty="0"/>
+              <a:t>If your container has multiple network, and you want to disconnect any network, then use Disconnect command.</a:t>
+            </a:r>
+            <a:endParaRPr lang="en-US" sz="1200" dirty="0" smtClean="0"/>
+          </a:p>
+          <a:p>
+            <a:endParaRPr lang="en-US" sz="1600" dirty="0" smtClean="0"/>
+          </a:p>
+          <a:p>
+            <a:r>
+              <a:rPr lang="en-US" sz="1600" dirty="0"/>
+              <a:t>Question 1:- Suppose I created a container with None network, now can I assign my custom bridge network to that container</a:t>
+            </a:r>
+            <a:r>
+              <a:rPr lang="en-US" sz="1600" dirty="0" smtClean="0"/>
+              <a:t>.</a:t>
+            </a:r>
+          </a:p>
+          <a:p>
+            <a:r>
+              <a:rPr lang="en-US" sz="1600" dirty="0"/>
+              <a:t>Question </a:t>
+            </a:r>
+            <a:r>
+              <a:rPr lang="en-US" sz="1600" dirty="0" smtClean="0"/>
+              <a:t>2:- </a:t>
+            </a:r>
+            <a:r>
+              <a:rPr lang="en-US" sz="1600" dirty="0"/>
+              <a:t>Suppose I created a container with host network, now can I assign my custom bridge network or None network to that container</a:t>
+            </a:r>
+            <a:r>
+              <a:rPr lang="en-US" sz="1600" dirty="0" smtClean="0"/>
+              <a:t>.</a:t>
+            </a:r>
+            <a:endParaRPr lang="en-US" sz="1600" dirty="0"/>
+          </a:p>
+        </p:txBody>
+      </p:sp>
+    </p:spTree>
+    <p:extLst>
+      <p:ext uri="{BB962C8B-B14F-4D97-AF65-F5344CB8AC3E}">
+        <p14:creationId xmlns:p14="http://schemas.microsoft.com/office/powerpoint/2010/main" val="169732239"/>
+      </p:ext>
+    </p:extLst>
+  </p:cSld>
+  <p:clrMapOvr>
+    <a:masterClrMapping/>
+  </p:clrMapOvr>
+  <p:timing>
+    <p:tnLst>
+      <p:par>
+        <p:cTn id="1" dur="indefinite" restart="never" nodeType="tmRoot"/>
+      </p:par>
+    </p:tnLst>
+  </p:timing>
+</p:sld>
+</file>
+
+<file path=ppt/slides/slide29.xml><?xml version="1.0" encoding="utf-8"?>
+<p:sld xmlns:a="http://schemas.openxmlformats.org/drawingml/2006/main" xmlns:r="http://schemas.openxmlformats.org/officeDocument/2006/relationships" xmlns:p="http://schemas.openxmlformats.org/presentationml/2006/main">
+  <p:cSld>
+    <p:spTree>
+      <p:nvGrpSpPr>
+        <p:cNvPr id="1" name=""/>
+        <p:cNvGrpSpPr/>
+        <p:nvPr/>
+      </p:nvGrpSpPr>
+      <p:grpSpPr>
+        <a:xfrm>
+          <a:off x="0" y="0"/>
+          <a:ext cx="0" cy="0"/>
+          <a:chOff x="0" y="0"/>
+          <a:chExt cx="0" cy="0"/>
+        </a:xfrm>
+      </p:grpSpPr>
+      <p:sp>
+        <p:nvSpPr>
+          <p:cNvPr id="2" name="Title 1"/>
+          <p:cNvSpPr>
+            <a:spLocks noGrp="1"/>
+          </p:cNvSpPr>
+          <p:nvPr>
+            <p:ph type="title"/>
+          </p:nvPr>
+        </p:nvSpPr>
+        <p:spPr>
+          <a:xfrm>
+            <a:off x="457200" y="274638"/>
+            <a:ext cx="8229600" cy="715962"/>
+          </a:xfrm>
+        </p:spPr>
+        <p:txBody>
+          <a:bodyPr>
+            <a:normAutofit/>
+          </a:bodyPr>
+          <a:lstStyle/>
+          <a:p>
+            <a:r>
+              <a:rPr lang="en-US" sz="4000" dirty="0" err="1" smtClean="0"/>
+              <a:t>Docker</a:t>
+            </a:r>
+            <a:r>
+              <a:rPr lang="en-US" sz="4000" dirty="0" smtClean="0"/>
+              <a:t> Compose</a:t>
+            </a:r>
+            <a:endParaRPr lang="en-US" sz="4000" dirty="0"/>
+          </a:p>
+        </p:txBody>
+      </p:sp>
+      <p:sp>
+        <p:nvSpPr>
+          <p:cNvPr id="3" name="Content Placeholder 2"/>
+          <p:cNvSpPr>
+            <a:spLocks noGrp="1"/>
+          </p:cNvSpPr>
+          <p:nvPr>
+            <p:ph idx="1"/>
+          </p:nvPr>
+        </p:nvSpPr>
+        <p:spPr>
+          <a:xfrm>
+            <a:off x="457200" y="960437"/>
+            <a:ext cx="8229600" cy="5668963"/>
+          </a:xfrm>
+        </p:spPr>
+        <p:txBody>
+          <a:bodyPr>
+            <a:normAutofit/>
+          </a:bodyPr>
+          <a:lstStyle/>
+          <a:p>
+            <a:r>
+              <a:rPr lang="en-US" sz="1600" dirty="0"/>
+              <a:t>Compose is a tool for defining and running multi-container </a:t>
+            </a:r>
+            <a:r>
+              <a:rPr lang="en-US" sz="1600" dirty="0" err="1"/>
+              <a:t>Docker</a:t>
+            </a:r>
+            <a:r>
+              <a:rPr lang="en-US" sz="1600" dirty="0"/>
+              <a:t> applications. With Compose, you use a </a:t>
+            </a:r>
+            <a:r>
+              <a:rPr lang="en-US" sz="1600" dirty="0" smtClean="0"/>
+              <a:t>YAML/YML </a:t>
+            </a:r>
+            <a:r>
+              <a:rPr lang="en-US" sz="1600" dirty="0"/>
+              <a:t>file to configure your application’s services. Then, with a single command, you create and start all the services from your configuration</a:t>
+            </a:r>
+            <a:r>
+              <a:rPr lang="en-US" sz="1600" dirty="0" smtClean="0"/>
+              <a:t>.</a:t>
+            </a:r>
+          </a:p>
+          <a:p>
+            <a:r>
+              <a:rPr lang="en-US" sz="1600" dirty="0"/>
+              <a:t>Compose works in all environments: production, staging, </a:t>
+            </a:r>
+            <a:r>
+              <a:rPr lang="en-US" sz="1600" dirty="0" smtClean="0"/>
+              <a:t>development.</a:t>
+            </a:r>
+          </a:p>
+          <a:p>
+            <a:r>
+              <a:rPr lang="en-US" sz="1600" dirty="0"/>
+              <a:t>Using Compose is basically a three-step process</a:t>
+            </a:r>
+            <a:r>
+              <a:rPr lang="en-US" sz="1600" dirty="0" smtClean="0"/>
+              <a:t>:</a:t>
+            </a:r>
+          </a:p>
+          <a:p>
+            <a:pPr lvl="1"/>
+            <a:r>
+              <a:rPr lang="en-US" sz="1400" dirty="0" smtClean="0"/>
+              <a:t>Define your app’s environment with a </a:t>
+            </a:r>
+            <a:r>
+              <a:rPr lang="en-US" sz="1400" dirty="0" err="1" smtClean="0"/>
+              <a:t>Dockerfile</a:t>
+            </a:r>
+            <a:r>
+              <a:rPr lang="en-US" sz="1400" dirty="0" smtClean="0"/>
+              <a:t> so it can be reproduced anywhere.</a:t>
+            </a:r>
+          </a:p>
+          <a:p>
+            <a:pPr lvl="1"/>
+            <a:r>
+              <a:rPr lang="en-US" sz="1400" dirty="0" smtClean="0"/>
+              <a:t>Define the services that make up your app in </a:t>
+            </a:r>
+            <a:r>
+              <a:rPr lang="en-US" sz="1400" dirty="0" err="1" smtClean="0"/>
+              <a:t>docker-compose.yml</a:t>
+            </a:r>
+            <a:r>
+              <a:rPr lang="en-US" sz="1400" dirty="0" smtClean="0"/>
+              <a:t> so they can be run together in an isolated environment.</a:t>
+            </a:r>
+          </a:p>
+          <a:p>
+            <a:pPr lvl="1"/>
+            <a:r>
+              <a:rPr lang="en-US" sz="1400" dirty="0" smtClean="0"/>
+              <a:t>Run </a:t>
+            </a:r>
+            <a:r>
+              <a:rPr lang="en-US" sz="1400" dirty="0" err="1" smtClean="0"/>
+              <a:t>docker</a:t>
+            </a:r>
+            <a:r>
+              <a:rPr lang="en-US" sz="1400" dirty="0" smtClean="0"/>
+              <a:t>-compose up and Compose starts and runs your entire app.</a:t>
+            </a:r>
+            <a:endParaRPr lang="en-US" sz="1000" dirty="0" smtClean="0"/>
+          </a:p>
+        </p:txBody>
+      </p:sp>
+      <p:pic>
+        <p:nvPicPr>
+          <p:cNvPr id="1026" name="Picture 2"/>
+          <p:cNvPicPr>
+            <a:picLocks noChangeAspect="1" noChangeArrowheads="1"/>
+          </p:cNvPicPr>
+          <p:nvPr/>
+        </p:nvPicPr>
+        <p:blipFill>
+          <a:blip r:embed="rId2">
+            <a:extLst>
+              <a:ext uri="{28A0092B-C50C-407E-A947-70E740481C1C}">
+                <a14:useLocalDpi xmlns:a14="http://schemas.microsoft.com/office/drawing/2010/main" val="0"/>
+              </a:ext>
+            </a:extLst>
+          </a:blip>
+          <a:srcRect/>
+          <a:stretch>
+            <a:fillRect/>
+          </a:stretch>
+        </p:blipFill>
+        <p:spPr bwMode="auto">
+          <a:xfrm>
+            <a:off x="914400" y="3505200"/>
+            <a:ext cx="7143750" cy="3171825"/>
+          </a:xfrm>
+          <a:prstGeom prst="rect">
+            <a:avLst/>
+          </a:prstGeom>
+          <a:noFill/>
+          <a:ln>
+            <a:noFill/>
+          </a:ln>
+          <a:effectLst/>
+          <a:extLst>
+            <a:ext uri="{909E8E84-426E-40DD-AFC4-6F175D3DCCD1}">
+              <a14:hiddenFill xmlns:a14="http://schemas.microsoft.com/office/drawing/2010/main">
+                <a:solidFill>
+                  <a:schemeClr val="accent1"/>
+                </a:solidFill>
+              </a14:hiddenFill>
+            </a:ext>
+            <a:ext uri="{91240B29-F687-4F45-9708-019B960494DF}">
+              <a14:hiddenLine xmlns:a14="http://schemas.microsoft.com/office/drawing/2010/main" w="9525">
+                <a:solidFill>
+                  <a:schemeClr val="tx1"/>
+                </a:solidFill>
+                <a:miter lim="800000"/>
+                <a:headEnd/>
+                <a:tailEnd/>
+              </a14:hiddenLine>
+            </a:ext>
+            <a:ext uri="{AF507438-7753-43E0-B8FC-AC1667EBCBE1}">
+              <a14:hiddenEffects xmlns:a14="http://schemas.microsoft.com/office/drawing/2010/main">
+                <a:effectLst>
+                  <a:outerShdw dist="35921" dir="2700000" algn="ctr" rotWithShape="0">
+                    <a:schemeClr val="bg2"/>
+                  </a:outerShdw>
+                </a:effectLst>
+              </a14:hiddenEffects>
+            </a:ext>
+          </a:extLst>
+        </p:spPr>
+      </p:pic>
+    </p:spTree>
+    <p:extLst>
+      <p:ext uri="{BB962C8B-B14F-4D97-AF65-F5344CB8AC3E}">
+        <p14:creationId xmlns:p14="http://schemas.microsoft.com/office/powerpoint/2010/main" val="485130100"/>
       </p:ext>
     </p:extLst>
   </p:cSld>
@@ -7149,6 +9005,2458 @@
     <p:extLst>
       <p:ext uri="{BB962C8B-B14F-4D97-AF65-F5344CB8AC3E}">
         <p14:creationId xmlns:p14="http://schemas.microsoft.com/office/powerpoint/2010/main" val="1224938417"/>
+      </p:ext>
+    </p:extLst>
+  </p:cSld>
+  <p:clrMapOvr>
+    <a:masterClrMapping/>
+  </p:clrMapOvr>
+  <p:timing>
+    <p:tnLst>
+      <p:par>
+        <p:cTn id="1" dur="indefinite" restart="never" nodeType="tmRoot"/>
+      </p:par>
+    </p:tnLst>
+  </p:timing>
+</p:sld>
+</file>
+
+<file path=ppt/slides/slide30.xml><?xml version="1.0" encoding="utf-8"?>
+<p:sld xmlns:a="http://schemas.openxmlformats.org/drawingml/2006/main" xmlns:r="http://schemas.openxmlformats.org/officeDocument/2006/relationships" xmlns:p="http://schemas.openxmlformats.org/presentationml/2006/main">
+  <p:cSld>
+    <p:spTree>
+      <p:nvGrpSpPr>
+        <p:cNvPr id="1" name=""/>
+        <p:cNvGrpSpPr/>
+        <p:nvPr/>
+      </p:nvGrpSpPr>
+      <p:grpSpPr>
+        <a:xfrm>
+          <a:off x="0" y="0"/>
+          <a:ext cx="0" cy="0"/>
+          <a:chOff x="0" y="0"/>
+          <a:chExt cx="0" cy="0"/>
+        </a:xfrm>
+      </p:grpSpPr>
+      <p:sp>
+        <p:nvSpPr>
+          <p:cNvPr id="2" name="Title 1"/>
+          <p:cNvSpPr>
+            <a:spLocks noGrp="1"/>
+          </p:cNvSpPr>
+          <p:nvPr>
+            <p:ph type="title"/>
+          </p:nvPr>
+        </p:nvSpPr>
+        <p:spPr>
+          <a:xfrm>
+            <a:off x="457200" y="274638"/>
+            <a:ext cx="8229600" cy="715962"/>
+          </a:xfrm>
+        </p:spPr>
+        <p:txBody>
+          <a:bodyPr>
+            <a:normAutofit/>
+          </a:bodyPr>
+          <a:lstStyle/>
+          <a:p>
+            <a:r>
+              <a:rPr lang="en-US" sz="4000" dirty="0" err="1" smtClean="0"/>
+              <a:t>Docker</a:t>
+            </a:r>
+            <a:r>
+              <a:rPr lang="en-US" sz="4000" dirty="0" smtClean="0"/>
+              <a:t> Compose</a:t>
+            </a:r>
+            <a:endParaRPr lang="en-US" sz="4000" dirty="0"/>
+          </a:p>
+        </p:txBody>
+      </p:sp>
+      <p:sp>
+        <p:nvSpPr>
+          <p:cNvPr id="3" name="Content Placeholder 2"/>
+          <p:cNvSpPr>
+            <a:spLocks noGrp="1"/>
+          </p:cNvSpPr>
+          <p:nvPr>
+            <p:ph idx="1"/>
+          </p:nvPr>
+        </p:nvSpPr>
+        <p:spPr>
+          <a:xfrm>
+            <a:off x="457200" y="960437"/>
+            <a:ext cx="8229600" cy="5668963"/>
+          </a:xfrm>
+        </p:spPr>
+        <p:txBody>
+          <a:bodyPr>
+            <a:normAutofit/>
+          </a:bodyPr>
+          <a:lstStyle/>
+          <a:p>
+            <a:r>
+              <a:rPr lang="en-US" sz="1600" dirty="0"/>
+              <a:t>A service definition contains configuration that is applied to each container started for that service, much like passing command-line parameters to </a:t>
+            </a:r>
+            <a:r>
+              <a:rPr lang="en-US" sz="1600" dirty="0" err="1"/>
+              <a:t>docker</a:t>
+            </a:r>
+            <a:r>
+              <a:rPr lang="en-US" sz="1600" dirty="0"/>
+              <a:t> run. Likewise, network and volume definitions are analogous to </a:t>
+            </a:r>
+            <a:r>
+              <a:rPr lang="en-US" sz="1600" dirty="0" err="1"/>
+              <a:t>docker</a:t>
+            </a:r>
+            <a:r>
+              <a:rPr lang="en-US" sz="1600" dirty="0"/>
+              <a:t> network create and </a:t>
+            </a:r>
+            <a:r>
+              <a:rPr lang="en-US" sz="1600" dirty="0" err="1"/>
+              <a:t>docker</a:t>
+            </a:r>
+            <a:r>
+              <a:rPr lang="en-US" sz="1600" dirty="0"/>
+              <a:t> volume create.</a:t>
+            </a:r>
+            <a:endParaRPr lang="en-US" sz="1600" dirty="0" smtClean="0"/>
+          </a:p>
+          <a:p>
+            <a:r>
+              <a:rPr lang="en-US" sz="1600" dirty="0"/>
+              <a:t>As with </a:t>
+            </a:r>
+            <a:r>
+              <a:rPr lang="en-US" sz="1600" dirty="0" err="1"/>
+              <a:t>docker</a:t>
+            </a:r>
+            <a:r>
+              <a:rPr lang="en-US" sz="1600" dirty="0"/>
+              <a:t> run, options specified in the </a:t>
+            </a:r>
+            <a:r>
+              <a:rPr lang="en-US" sz="1600" dirty="0" err="1"/>
+              <a:t>Dockerfile</a:t>
+            </a:r>
+            <a:r>
+              <a:rPr lang="en-US" sz="1600" dirty="0"/>
+              <a:t>, such as CMD, EXPOSE, VOLUME, ENV, are respected by default - you don’t need to specify them again in </a:t>
+            </a:r>
+            <a:r>
+              <a:rPr lang="en-US" sz="1600" dirty="0" err="1"/>
+              <a:t>docker-compose.yml</a:t>
+            </a:r>
+            <a:r>
+              <a:rPr lang="en-US" sz="1600" dirty="0"/>
+              <a:t>.</a:t>
+            </a:r>
+            <a:endParaRPr lang="en-US" sz="1600" dirty="0" smtClean="0"/>
+          </a:p>
+          <a:p>
+            <a:r>
+              <a:rPr lang="en-US" sz="1600" dirty="0"/>
+              <a:t>You can use environment variables in configuration values with a Bash-like ${VARIABLE</a:t>
+            </a:r>
+            <a:r>
+              <a:rPr lang="en-US" sz="1600" dirty="0" smtClean="0"/>
+              <a:t>}</a:t>
+            </a:r>
+          </a:p>
+          <a:p>
+            <a:endParaRPr lang="en-US" sz="1600" dirty="0"/>
+          </a:p>
+          <a:p>
+            <a:endParaRPr lang="en-US" sz="1600" dirty="0" smtClean="0"/>
+          </a:p>
+          <a:p>
+            <a:r>
+              <a:rPr lang="pt-BR" sz="1600" dirty="0"/>
+              <a:t>sudo curl -L "https://github.com/docker/compose/releases/download/1.26.2/docker-compose-$(uname -s)-$(uname -m)" -o /</a:t>
+            </a:r>
+            <a:r>
+              <a:rPr lang="pt-BR" sz="1600" dirty="0" smtClean="0"/>
+              <a:t>usr/local/bin/docker-compose</a:t>
+            </a:r>
+          </a:p>
+          <a:p>
+            <a:r>
+              <a:rPr lang="en-US" sz="1600" dirty="0" err="1"/>
+              <a:t>sudo</a:t>
+            </a:r>
+            <a:r>
+              <a:rPr lang="en-US" sz="1600" dirty="0"/>
+              <a:t> </a:t>
+            </a:r>
+            <a:r>
+              <a:rPr lang="en-US" sz="1600" dirty="0" err="1"/>
+              <a:t>chmod</a:t>
+            </a:r>
+            <a:r>
+              <a:rPr lang="en-US" sz="1600" dirty="0"/>
+              <a:t> +x /</a:t>
+            </a:r>
+            <a:r>
+              <a:rPr lang="en-US" sz="1600" dirty="0" err="1"/>
+              <a:t>usr</a:t>
+            </a:r>
+            <a:r>
+              <a:rPr lang="en-US" sz="1600" dirty="0"/>
+              <a:t>/local/bin/</a:t>
+            </a:r>
+            <a:r>
+              <a:rPr lang="en-US" sz="1600" dirty="0" err="1"/>
+              <a:t>docker</a:t>
+            </a:r>
+            <a:r>
+              <a:rPr lang="en-US" sz="1600" dirty="0"/>
+              <a:t>-compose</a:t>
+            </a:r>
+            <a:endParaRPr lang="en-US" sz="1600" dirty="0" smtClean="0"/>
+          </a:p>
+        </p:txBody>
+      </p:sp>
+    </p:spTree>
+    <p:extLst>
+      <p:ext uri="{BB962C8B-B14F-4D97-AF65-F5344CB8AC3E}">
+        <p14:creationId xmlns:p14="http://schemas.microsoft.com/office/powerpoint/2010/main" val="2541917753"/>
+      </p:ext>
+    </p:extLst>
+  </p:cSld>
+  <p:clrMapOvr>
+    <a:masterClrMapping/>
+  </p:clrMapOvr>
+  <p:timing>
+    <p:tnLst>
+      <p:par>
+        <p:cTn id="1" dur="indefinite" restart="never" nodeType="tmRoot"/>
+      </p:par>
+    </p:tnLst>
+  </p:timing>
+</p:sld>
+</file>
+
+<file path=ppt/slides/slide31.xml><?xml version="1.0" encoding="utf-8"?>
+<p:sld xmlns:a="http://schemas.openxmlformats.org/drawingml/2006/main" xmlns:r="http://schemas.openxmlformats.org/officeDocument/2006/relationships" xmlns:p="http://schemas.openxmlformats.org/presentationml/2006/main">
+  <p:cSld>
+    <p:spTree>
+      <p:nvGrpSpPr>
+        <p:cNvPr id="1" name=""/>
+        <p:cNvGrpSpPr/>
+        <p:nvPr/>
+      </p:nvGrpSpPr>
+      <p:grpSpPr>
+        <a:xfrm>
+          <a:off x="0" y="0"/>
+          <a:ext cx="0" cy="0"/>
+          <a:chOff x="0" y="0"/>
+          <a:chExt cx="0" cy="0"/>
+        </a:xfrm>
+      </p:grpSpPr>
+      <p:sp>
+        <p:nvSpPr>
+          <p:cNvPr id="2" name="Title 1"/>
+          <p:cNvSpPr>
+            <a:spLocks noGrp="1"/>
+          </p:cNvSpPr>
+          <p:nvPr>
+            <p:ph type="title"/>
+          </p:nvPr>
+        </p:nvSpPr>
+        <p:spPr>
+          <a:xfrm>
+            <a:off x="457200" y="274638"/>
+            <a:ext cx="8229600" cy="715962"/>
+          </a:xfrm>
+        </p:spPr>
+        <p:txBody>
+          <a:bodyPr>
+            <a:normAutofit/>
+          </a:bodyPr>
+          <a:lstStyle/>
+          <a:p>
+            <a:r>
+              <a:rPr lang="en-US" sz="4000" dirty="0" err="1" smtClean="0"/>
+              <a:t>Docker</a:t>
+            </a:r>
+            <a:r>
+              <a:rPr lang="en-US" sz="4000" dirty="0" smtClean="0"/>
+              <a:t> Compose Features</a:t>
+            </a:r>
+            <a:endParaRPr lang="en-US" sz="4000" dirty="0"/>
+          </a:p>
+        </p:txBody>
+      </p:sp>
+      <p:sp>
+        <p:nvSpPr>
+          <p:cNvPr id="3" name="Content Placeholder 2"/>
+          <p:cNvSpPr>
+            <a:spLocks noGrp="1"/>
+          </p:cNvSpPr>
+          <p:nvPr>
+            <p:ph idx="1"/>
+          </p:nvPr>
+        </p:nvSpPr>
+        <p:spPr>
+          <a:xfrm>
+            <a:off x="457200" y="960437"/>
+            <a:ext cx="8229600" cy="5668963"/>
+          </a:xfrm>
+        </p:spPr>
+        <p:txBody>
+          <a:bodyPr>
+            <a:normAutofit/>
+          </a:bodyPr>
+          <a:lstStyle/>
+          <a:p>
+            <a:r>
+              <a:rPr lang="en-US" sz="1600" dirty="0"/>
+              <a:t>Multiple isolated environments on a single </a:t>
+            </a:r>
+            <a:r>
+              <a:rPr lang="en-US" sz="1600" dirty="0" smtClean="0"/>
+              <a:t>host</a:t>
+            </a:r>
+          </a:p>
+          <a:p>
+            <a:pPr lvl="1"/>
+            <a:r>
+              <a:rPr lang="en-US" sz="1400" dirty="0"/>
+              <a:t>Compose uses a project name to isolate environments from each other. You can make use of this project name in several different contexts</a:t>
+            </a:r>
+            <a:r>
+              <a:rPr lang="en-US" sz="1400" dirty="0" smtClean="0"/>
+              <a:t>:</a:t>
+            </a:r>
+          </a:p>
+          <a:p>
+            <a:pPr lvl="1"/>
+            <a:r>
+              <a:rPr lang="en-US" sz="1400" dirty="0"/>
+              <a:t>on a </a:t>
+            </a:r>
+            <a:r>
+              <a:rPr lang="en-US" sz="1400" dirty="0" err="1"/>
+              <a:t>dev</a:t>
+            </a:r>
+            <a:r>
+              <a:rPr lang="en-US" sz="1400" dirty="0"/>
+              <a:t> host, to create multiple copies of a single environment, such as when you want to run a stable copy for each feature branch of a </a:t>
+            </a:r>
+            <a:r>
+              <a:rPr lang="en-US" sz="1400" dirty="0" smtClean="0"/>
+              <a:t>project</a:t>
+            </a:r>
+          </a:p>
+          <a:p>
+            <a:pPr lvl="1"/>
+            <a:r>
+              <a:rPr lang="en-US" sz="1400" dirty="0"/>
+              <a:t>on a CI server, to keep builds from interfering with each other, you can set the project name to a unique build </a:t>
+            </a:r>
+            <a:r>
+              <a:rPr lang="en-US" sz="1400" dirty="0" smtClean="0"/>
+              <a:t>number</a:t>
+            </a:r>
+          </a:p>
+          <a:p>
+            <a:pPr lvl="1"/>
+            <a:r>
+              <a:rPr lang="en-US" sz="1400" dirty="0"/>
+              <a:t>on a shared host or </a:t>
+            </a:r>
+            <a:r>
+              <a:rPr lang="en-US" sz="1400" dirty="0" err="1"/>
+              <a:t>dev</a:t>
+            </a:r>
+            <a:r>
+              <a:rPr lang="en-US" sz="1400" dirty="0"/>
+              <a:t> host, to prevent different projects, which may use the same service names, from interfering with each </a:t>
+            </a:r>
+            <a:r>
+              <a:rPr lang="en-US" sz="1400" dirty="0" smtClean="0"/>
+              <a:t>other</a:t>
+            </a:r>
+          </a:p>
+          <a:p>
+            <a:pPr lvl="1"/>
+            <a:r>
+              <a:rPr lang="en-US" sz="1400" dirty="0"/>
+              <a:t>The default project name is the </a:t>
+            </a:r>
+            <a:r>
+              <a:rPr lang="en-US" sz="1400" dirty="0" err="1"/>
+              <a:t>basename</a:t>
+            </a:r>
+            <a:r>
+              <a:rPr lang="en-US" sz="1400" dirty="0"/>
+              <a:t> of the project directory. You can set a custom project name by using the -p command line option or the COMPOSE_PROJECT_NAME environment variable.</a:t>
+            </a:r>
+            <a:endParaRPr lang="en-US" sz="1400" dirty="0" smtClean="0"/>
+          </a:p>
+          <a:p>
+            <a:r>
+              <a:rPr lang="en-US" sz="1600" dirty="0"/>
+              <a:t>Preserve volume data when containers are </a:t>
+            </a:r>
+            <a:r>
+              <a:rPr lang="en-US" sz="1600" dirty="0" smtClean="0"/>
+              <a:t>created</a:t>
+            </a:r>
+          </a:p>
+          <a:p>
+            <a:pPr lvl="1"/>
+            <a:r>
+              <a:rPr lang="en-US" sz="1400" dirty="0"/>
+              <a:t>Compose preserves all volumes used by your services. When </a:t>
+            </a:r>
+            <a:r>
+              <a:rPr lang="en-US" sz="1400" dirty="0" err="1"/>
+              <a:t>docker</a:t>
+            </a:r>
+            <a:r>
+              <a:rPr lang="en-US" sz="1400" dirty="0"/>
+              <a:t>-compose up runs, if it finds any containers from previous runs, it copies the volumes from the old container to the new container. This process ensures that any data you’ve created in volumes isn’t lost.</a:t>
+            </a:r>
+            <a:endParaRPr lang="en-US" sz="1100" dirty="0" smtClean="0"/>
+          </a:p>
+          <a:p>
+            <a:r>
+              <a:rPr lang="en-US" sz="1600" dirty="0"/>
+              <a:t>Only recreate containers that have </a:t>
+            </a:r>
+            <a:r>
+              <a:rPr lang="en-US" sz="1600" dirty="0" smtClean="0"/>
+              <a:t>changed</a:t>
+            </a:r>
+          </a:p>
+          <a:p>
+            <a:pPr lvl="1"/>
+            <a:r>
+              <a:rPr lang="en-US" sz="1400" dirty="0"/>
+              <a:t>Compose caches the configuration used to create a container. When you restart a service that has not changed, Compose re-uses the existing containers. Re-using containers means that you can make changes to your environment very quickly.</a:t>
+            </a:r>
+            <a:endParaRPr lang="en-US" sz="1200" dirty="0" smtClean="0"/>
+          </a:p>
+          <a:p>
+            <a:r>
+              <a:rPr lang="en-US" sz="1600" dirty="0"/>
+              <a:t>Variables and moving a composition between </a:t>
+            </a:r>
+            <a:r>
+              <a:rPr lang="en-US" sz="1600" dirty="0" smtClean="0"/>
+              <a:t>environments</a:t>
+            </a:r>
+          </a:p>
+          <a:p>
+            <a:pPr lvl="1"/>
+            <a:r>
+              <a:rPr lang="en-US" sz="1400" dirty="0"/>
+              <a:t>Compose supports variables in the Compose file. You can use these variables to customize your composition for different environments, or different users</a:t>
+            </a:r>
+            <a:r>
+              <a:rPr lang="en-US" sz="1400" dirty="0" smtClean="0"/>
+              <a:t>.</a:t>
+            </a:r>
+            <a:endParaRPr lang="en-US" sz="1100" dirty="0" smtClean="0"/>
+          </a:p>
+        </p:txBody>
+      </p:sp>
+    </p:spTree>
+    <p:extLst>
+      <p:ext uri="{BB962C8B-B14F-4D97-AF65-F5344CB8AC3E}">
+        <p14:creationId xmlns:p14="http://schemas.microsoft.com/office/powerpoint/2010/main" val="1941330339"/>
+      </p:ext>
+    </p:extLst>
+  </p:cSld>
+  <p:clrMapOvr>
+    <a:masterClrMapping/>
+  </p:clrMapOvr>
+  <p:timing>
+    <p:tnLst>
+      <p:par>
+        <p:cTn id="1" dur="indefinite" restart="never" nodeType="tmRoot"/>
+      </p:par>
+    </p:tnLst>
+  </p:timing>
+</p:sld>
+</file>
+
+<file path=ppt/slides/slide32.xml><?xml version="1.0" encoding="utf-8"?>
+<p:sld xmlns:a="http://schemas.openxmlformats.org/drawingml/2006/main" xmlns:r="http://schemas.openxmlformats.org/officeDocument/2006/relationships" xmlns:p="http://schemas.openxmlformats.org/presentationml/2006/main">
+  <p:cSld>
+    <p:spTree>
+      <p:nvGrpSpPr>
+        <p:cNvPr id="1" name=""/>
+        <p:cNvGrpSpPr/>
+        <p:nvPr/>
+      </p:nvGrpSpPr>
+      <p:grpSpPr>
+        <a:xfrm>
+          <a:off x="0" y="0"/>
+          <a:ext cx="0" cy="0"/>
+          <a:chOff x="0" y="0"/>
+          <a:chExt cx="0" cy="0"/>
+        </a:xfrm>
+      </p:grpSpPr>
+      <p:sp>
+        <p:nvSpPr>
+          <p:cNvPr id="2" name="Title 1"/>
+          <p:cNvSpPr>
+            <a:spLocks noGrp="1"/>
+          </p:cNvSpPr>
+          <p:nvPr>
+            <p:ph type="title"/>
+          </p:nvPr>
+        </p:nvSpPr>
+        <p:spPr>
+          <a:xfrm>
+            <a:off x="457200" y="274638"/>
+            <a:ext cx="8229600" cy="715962"/>
+          </a:xfrm>
+        </p:spPr>
+        <p:txBody>
+          <a:bodyPr>
+            <a:normAutofit/>
+          </a:bodyPr>
+          <a:lstStyle/>
+          <a:p>
+            <a:r>
+              <a:rPr lang="en-US" sz="4000" dirty="0" err="1" smtClean="0"/>
+              <a:t>Docker</a:t>
+            </a:r>
+            <a:r>
+              <a:rPr lang="en-US" sz="4000" dirty="0" smtClean="0"/>
+              <a:t> Compose Commands</a:t>
+            </a:r>
+            <a:endParaRPr lang="en-US" sz="4000" dirty="0"/>
+          </a:p>
+        </p:txBody>
+      </p:sp>
+      <p:sp>
+        <p:nvSpPr>
+          <p:cNvPr id="3" name="Content Placeholder 2"/>
+          <p:cNvSpPr>
+            <a:spLocks noGrp="1"/>
+          </p:cNvSpPr>
+          <p:nvPr>
+            <p:ph idx="1"/>
+          </p:nvPr>
+        </p:nvSpPr>
+        <p:spPr>
+          <a:xfrm>
+            <a:off x="457200" y="960437"/>
+            <a:ext cx="8229600" cy="5668963"/>
+          </a:xfrm>
+        </p:spPr>
+        <p:txBody>
+          <a:bodyPr>
+            <a:normAutofit lnSpcReduction="10000"/>
+          </a:bodyPr>
+          <a:lstStyle/>
+          <a:p>
+            <a:r>
+              <a:rPr lang="en-US" sz="1600" dirty="0" err="1" smtClean="0"/>
+              <a:t>docker</a:t>
+            </a:r>
+            <a:r>
+              <a:rPr lang="en-US" sz="1600" dirty="0" smtClean="0"/>
+              <a:t>-compose up</a:t>
+            </a:r>
+          </a:p>
+          <a:p>
+            <a:pPr lvl="1"/>
+            <a:r>
+              <a:rPr lang="en-US" sz="1200" dirty="0"/>
+              <a:t>This command will search </a:t>
+            </a:r>
+            <a:r>
+              <a:rPr lang="en-US" sz="1200" dirty="0" err="1"/>
+              <a:t>docker-compose.yml</a:t>
+            </a:r>
+            <a:r>
+              <a:rPr lang="en-US" sz="1200" dirty="0"/>
+              <a:t> file in current directory and will create container, volume, network which are define in </a:t>
+            </a:r>
+            <a:r>
+              <a:rPr lang="en-US" sz="1200" dirty="0" err="1" smtClean="0"/>
+              <a:t>docker-compose.yml</a:t>
+            </a:r>
+            <a:r>
+              <a:rPr lang="en-US" sz="1200" dirty="0" smtClean="0"/>
+              <a:t> file and will run the containers.</a:t>
+            </a:r>
+          </a:p>
+          <a:p>
+            <a:r>
+              <a:rPr lang="en-US" sz="1600" dirty="0" err="1" smtClean="0"/>
+              <a:t>docker</a:t>
+            </a:r>
+            <a:r>
+              <a:rPr lang="en-US" sz="1600" dirty="0" smtClean="0"/>
+              <a:t>-compose down</a:t>
+            </a:r>
+          </a:p>
+          <a:p>
+            <a:pPr lvl="1"/>
+            <a:r>
+              <a:rPr lang="en-US" sz="1200" dirty="0"/>
+              <a:t>This command will stop all container/network which are define in </a:t>
+            </a:r>
+            <a:r>
+              <a:rPr lang="en-US" sz="1200" dirty="0" err="1"/>
+              <a:t>docker-compose.yml</a:t>
+            </a:r>
+            <a:r>
+              <a:rPr lang="en-US" sz="1200" dirty="0"/>
+              <a:t> file. This command will not delete Volumes.</a:t>
+            </a:r>
+            <a:endParaRPr lang="en-US" sz="1200" dirty="0" smtClean="0"/>
+          </a:p>
+          <a:p>
+            <a:r>
+              <a:rPr lang="en-US" sz="1600" dirty="0" err="1" smtClean="0"/>
+              <a:t>docker</a:t>
+            </a:r>
+            <a:r>
+              <a:rPr lang="en-US" sz="1600" dirty="0" smtClean="0"/>
+              <a:t>-compose down –volume</a:t>
+            </a:r>
+          </a:p>
+          <a:p>
+            <a:pPr lvl="1"/>
+            <a:r>
+              <a:rPr lang="en-US" sz="1200" dirty="0"/>
+              <a:t>This command will delete everything including Volumes.</a:t>
+            </a:r>
+            <a:endParaRPr lang="en-US" sz="1200" dirty="0" smtClean="0"/>
+          </a:p>
+          <a:p>
+            <a:r>
+              <a:rPr lang="en-US" sz="1600" dirty="0" err="1" smtClean="0"/>
+              <a:t>docker</a:t>
+            </a:r>
+            <a:r>
+              <a:rPr lang="en-US" sz="1600" dirty="0" smtClean="0"/>
+              <a:t>-compose –f &lt;</a:t>
+            </a:r>
+            <a:r>
+              <a:rPr lang="en-US" sz="1600" dirty="0" err="1" smtClean="0"/>
+              <a:t>yaml</a:t>
+            </a:r>
+            <a:r>
+              <a:rPr lang="en-US" sz="1600" dirty="0" smtClean="0"/>
+              <a:t> file name&gt; up</a:t>
+            </a:r>
+          </a:p>
+          <a:p>
+            <a:r>
+              <a:rPr lang="en-US" sz="1600" dirty="0" err="1"/>
+              <a:t>d</a:t>
+            </a:r>
+            <a:r>
+              <a:rPr lang="en-US" sz="1600" dirty="0" err="1" smtClean="0"/>
+              <a:t>ocker</a:t>
+            </a:r>
+            <a:r>
+              <a:rPr lang="en-US" sz="1600" dirty="0" smtClean="0"/>
+              <a:t>-compose –f </a:t>
+            </a:r>
+            <a:r>
+              <a:rPr lang="en-US" sz="1600" dirty="0" err="1" smtClean="0"/>
+              <a:t>pankaj.yml</a:t>
+            </a:r>
+            <a:r>
+              <a:rPr lang="en-US" sz="1600" dirty="0" smtClean="0"/>
+              <a:t> up</a:t>
+            </a:r>
+          </a:p>
+          <a:p>
+            <a:pPr lvl="1"/>
+            <a:r>
+              <a:rPr lang="en-US" sz="1200" dirty="0" smtClean="0"/>
+              <a:t>This command is used to run .</a:t>
+            </a:r>
+            <a:r>
+              <a:rPr lang="en-US" sz="1200" dirty="0" err="1" smtClean="0"/>
+              <a:t>yml</a:t>
+            </a:r>
+            <a:r>
+              <a:rPr lang="en-US" sz="1200" dirty="0" smtClean="0"/>
+              <a:t> file if you specify any other name instead of </a:t>
+            </a:r>
+            <a:r>
+              <a:rPr lang="en-US" sz="1200" dirty="0" err="1" smtClean="0"/>
+              <a:t>docker-compose.yml</a:t>
+            </a:r>
+            <a:r>
+              <a:rPr lang="en-US" sz="1200" dirty="0" smtClean="0"/>
+              <a:t>.</a:t>
+            </a:r>
+          </a:p>
+          <a:p>
+            <a:r>
+              <a:rPr lang="en-US" sz="1600" dirty="0" err="1"/>
+              <a:t>d</a:t>
+            </a:r>
+            <a:r>
+              <a:rPr lang="en-US" sz="1600" dirty="0" err="1" smtClean="0"/>
+              <a:t>ocker</a:t>
+            </a:r>
+            <a:r>
+              <a:rPr lang="en-US" sz="1600" dirty="0" smtClean="0"/>
+              <a:t>-compose create</a:t>
+            </a:r>
+          </a:p>
+          <a:p>
+            <a:pPr lvl="1"/>
+            <a:r>
+              <a:rPr lang="en-US" sz="1200" dirty="0"/>
+              <a:t>This </a:t>
+            </a:r>
+            <a:r>
+              <a:rPr lang="en-US" sz="1200" dirty="0" smtClean="0"/>
+              <a:t>command will </a:t>
+            </a:r>
+            <a:r>
+              <a:rPr lang="en-US" sz="1200" dirty="0"/>
+              <a:t>only create container from </a:t>
+            </a:r>
+            <a:r>
+              <a:rPr lang="en-US" sz="1200" dirty="0" err="1"/>
+              <a:t>docker</a:t>
+            </a:r>
+            <a:r>
+              <a:rPr lang="en-US" sz="1200" dirty="0"/>
+              <a:t>-compose file, it will not start them. But this command will not create network.</a:t>
+            </a:r>
+            <a:endParaRPr lang="en-US" sz="1200" dirty="0" smtClean="0"/>
+          </a:p>
+          <a:p>
+            <a:r>
+              <a:rPr lang="en-US" sz="1600" dirty="0" err="1" smtClean="0"/>
+              <a:t>docker</a:t>
+            </a:r>
+            <a:r>
+              <a:rPr lang="en-US" sz="1600" dirty="0" smtClean="0"/>
+              <a:t>-compose up --no-start</a:t>
+            </a:r>
+          </a:p>
+          <a:p>
+            <a:pPr lvl="1"/>
+            <a:r>
+              <a:rPr lang="en-US" sz="1200" dirty="0" smtClean="0"/>
+              <a:t>This command word similar to Create command, but this command will create Network also.</a:t>
+            </a:r>
+          </a:p>
+          <a:p>
+            <a:r>
+              <a:rPr lang="en-US" sz="1600" dirty="0" err="1" smtClean="0"/>
+              <a:t>docker</a:t>
+            </a:r>
+            <a:r>
+              <a:rPr lang="en-US" sz="1600" dirty="0" smtClean="0"/>
+              <a:t>-compose start</a:t>
+            </a:r>
+          </a:p>
+          <a:p>
+            <a:pPr lvl="1"/>
+            <a:r>
+              <a:rPr lang="en-US" sz="1200" dirty="0" smtClean="0"/>
+              <a:t>This </a:t>
+            </a:r>
+            <a:r>
+              <a:rPr lang="en-US" sz="1200" dirty="0"/>
+              <a:t>command will start the container which are defined in </a:t>
+            </a:r>
+            <a:r>
+              <a:rPr lang="en-US" sz="1200" dirty="0" err="1"/>
+              <a:t>docker</a:t>
+            </a:r>
+            <a:r>
+              <a:rPr lang="en-US" sz="1200" dirty="0"/>
+              <a:t>-compose file. But make sure that you have earlier created these container using Create command.</a:t>
+            </a:r>
+            <a:endParaRPr lang="en-US" sz="1200" dirty="0" smtClean="0"/>
+          </a:p>
+          <a:p>
+            <a:r>
+              <a:rPr lang="en-US" sz="1600" dirty="0" err="1" smtClean="0"/>
+              <a:t>docker</a:t>
+            </a:r>
+            <a:r>
+              <a:rPr lang="en-US" sz="1600" dirty="0" smtClean="0"/>
+              <a:t>-compose stop</a:t>
+            </a:r>
+          </a:p>
+          <a:p>
+            <a:pPr lvl="1"/>
+            <a:r>
+              <a:rPr lang="en-US" sz="1200" dirty="0"/>
+              <a:t>This command will stop the running container which are defined in </a:t>
+            </a:r>
+            <a:r>
+              <a:rPr lang="en-US" sz="1200" dirty="0" err="1"/>
+              <a:t>docker</a:t>
+            </a:r>
+            <a:r>
+              <a:rPr lang="en-US" sz="1200" dirty="0"/>
+              <a:t>-compose file.</a:t>
+            </a:r>
+            <a:endParaRPr lang="en-US" sz="1200" dirty="0" smtClean="0"/>
+          </a:p>
+          <a:p>
+            <a:r>
+              <a:rPr lang="en-US" sz="1600" dirty="0" err="1" smtClean="0"/>
+              <a:t>docker</a:t>
+            </a:r>
+            <a:r>
+              <a:rPr lang="en-US" sz="1600" dirty="0" smtClean="0"/>
+              <a:t>-compose </a:t>
+            </a:r>
+            <a:r>
+              <a:rPr lang="en-US" sz="1600" dirty="0" err="1" smtClean="0"/>
+              <a:t>rm</a:t>
+            </a:r>
+            <a:endParaRPr lang="en-US" sz="1600" dirty="0" smtClean="0"/>
+          </a:p>
+          <a:p>
+            <a:pPr lvl="1"/>
+            <a:r>
+              <a:rPr lang="en-US" sz="1200" dirty="0"/>
+              <a:t>This command will remove all containers which are defined in the </a:t>
+            </a:r>
+            <a:r>
+              <a:rPr lang="en-US" sz="1200" dirty="0" err="1"/>
+              <a:t>docker</a:t>
+            </a:r>
+            <a:r>
+              <a:rPr lang="en-US" sz="1200" dirty="0"/>
+              <a:t>-compose file. Make sure this command will not delete the Network, which is defined in </a:t>
+            </a:r>
+            <a:r>
+              <a:rPr lang="en-US" sz="1200" dirty="0" err="1"/>
+              <a:t>docker</a:t>
+            </a:r>
+            <a:r>
+              <a:rPr lang="en-US" sz="1200" dirty="0"/>
+              <a:t>-compose fie.</a:t>
+            </a:r>
+          </a:p>
+          <a:p>
+            <a:pPr lvl="1"/>
+            <a:endParaRPr lang="en-US" sz="800" dirty="0" smtClean="0"/>
+          </a:p>
+        </p:txBody>
+      </p:sp>
+    </p:spTree>
+    <p:extLst>
+      <p:ext uri="{BB962C8B-B14F-4D97-AF65-F5344CB8AC3E}">
+        <p14:creationId xmlns:p14="http://schemas.microsoft.com/office/powerpoint/2010/main" val="246654739"/>
+      </p:ext>
+    </p:extLst>
+  </p:cSld>
+  <p:clrMapOvr>
+    <a:masterClrMapping/>
+  </p:clrMapOvr>
+  <p:timing>
+    <p:tnLst>
+      <p:par>
+        <p:cTn id="1" dur="indefinite" restart="never" nodeType="tmRoot"/>
+      </p:par>
+    </p:tnLst>
+  </p:timing>
+</p:sld>
+</file>
+
+<file path=ppt/slides/slide33.xml><?xml version="1.0" encoding="utf-8"?>
+<p:sld xmlns:a="http://schemas.openxmlformats.org/drawingml/2006/main" xmlns:r="http://schemas.openxmlformats.org/officeDocument/2006/relationships" xmlns:p="http://schemas.openxmlformats.org/presentationml/2006/main">
+  <p:cSld>
+    <p:spTree>
+      <p:nvGrpSpPr>
+        <p:cNvPr id="1" name=""/>
+        <p:cNvGrpSpPr/>
+        <p:nvPr/>
+      </p:nvGrpSpPr>
+      <p:grpSpPr>
+        <a:xfrm>
+          <a:off x="0" y="0"/>
+          <a:ext cx="0" cy="0"/>
+          <a:chOff x="0" y="0"/>
+          <a:chExt cx="0" cy="0"/>
+        </a:xfrm>
+      </p:grpSpPr>
+      <p:sp>
+        <p:nvSpPr>
+          <p:cNvPr id="2" name="Title 1"/>
+          <p:cNvSpPr>
+            <a:spLocks noGrp="1"/>
+          </p:cNvSpPr>
+          <p:nvPr>
+            <p:ph type="title"/>
+          </p:nvPr>
+        </p:nvSpPr>
+        <p:spPr>
+          <a:xfrm>
+            <a:off x="457200" y="274638"/>
+            <a:ext cx="8229600" cy="715962"/>
+          </a:xfrm>
+        </p:spPr>
+        <p:txBody>
+          <a:bodyPr>
+            <a:normAutofit/>
+          </a:bodyPr>
+          <a:lstStyle/>
+          <a:p>
+            <a:r>
+              <a:rPr lang="en-US" sz="4000" dirty="0" err="1" smtClean="0"/>
+              <a:t>Docker</a:t>
+            </a:r>
+            <a:r>
+              <a:rPr lang="en-US" sz="4000" dirty="0" smtClean="0"/>
+              <a:t> Compose Commands</a:t>
+            </a:r>
+            <a:endParaRPr lang="en-US" sz="4000" dirty="0"/>
+          </a:p>
+        </p:txBody>
+      </p:sp>
+      <p:sp>
+        <p:nvSpPr>
+          <p:cNvPr id="3" name="Content Placeholder 2"/>
+          <p:cNvSpPr>
+            <a:spLocks noGrp="1"/>
+          </p:cNvSpPr>
+          <p:nvPr>
+            <p:ph idx="1"/>
+          </p:nvPr>
+        </p:nvSpPr>
+        <p:spPr>
+          <a:xfrm>
+            <a:off x="457200" y="960437"/>
+            <a:ext cx="8229600" cy="5668963"/>
+          </a:xfrm>
+        </p:spPr>
+        <p:txBody>
+          <a:bodyPr>
+            <a:normAutofit lnSpcReduction="10000"/>
+          </a:bodyPr>
+          <a:lstStyle/>
+          <a:p>
+            <a:r>
+              <a:rPr lang="en-US" sz="1600" dirty="0" err="1" smtClean="0"/>
+              <a:t>docker</a:t>
+            </a:r>
+            <a:r>
+              <a:rPr lang="en-US" sz="1600" dirty="0" smtClean="0"/>
+              <a:t>-compose </a:t>
+            </a:r>
+            <a:r>
+              <a:rPr lang="en-US" sz="1600" dirty="0"/>
+              <a:t>images</a:t>
+            </a:r>
+            <a:endParaRPr lang="en-US" sz="1600" dirty="0" smtClean="0"/>
+          </a:p>
+          <a:p>
+            <a:pPr lvl="1"/>
+            <a:r>
+              <a:rPr lang="en-US" sz="1200" dirty="0"/>
+              <a:t>This command will not give any output. Because </a:t>
+            </a:r>
+            <a:r>
+              <a:rPr lang="en-US" sz="1200" dirty="0" err="1"/>
+              <a:t>docker</a:t>
+            </a:r>
+            <a:r>
+              <a:rPr lang="en-US" sz="1200" dirty="0"/>
+              <a:t>-compose never build </a:t>
+            </a:r>
+            <a:r>
+              <a:rPr lang="en-US" sz="1200" dirty="0" err="1"/>
+              <a:t>docker</a:t>
+            </a:r>
+            <a:r>
+              <a:rPr lang="en-US" sz="1200" dirty="0"/>
+              <a:t> image.</a:t>
+            </a:r>
+            <a:endParaRPr lang="en-US" sz="1200" dirty="0" smtClean="0"/>
+          </a:p>
+          <a:p>
+            <a:r>
+              <a:rPr lang="en-US" sz="1600" dirty="0" err="1" smtClean="0"/>
+              <a:t>docker</a:t>
+            </a:r>
+            <a:r>
+              <a:rPr lang="en-US" sz="1600" dirty="0" smtClean="0"/>
+              <a:t>-compose pause</a:t>
+            </a:r>
+          </a:p>
+          <a:p>
+            <a:pPr lvl="1"/>
+            <a:r>
+              <a:rPr lang="en-US" sz="1200" dirty="0"/>
+              <a:t>This command will pause the Container, which are in </a:t>
+            </a:r>
+            <a:r>
+              <a:rPr lang="en-US" sz="1200" dirty="0" err="1"/>
+              <a:t>docker-compose.yml</a:t>
+            </a:r>
+            <a:r>
+              <a:rPr lang="en-US" sz="1200" dirty="0"/>
+              <a:t> file.</a:t>
+            </a:r>
+            <a:endParaRPr lang="en-US" sz="1200" dirty="0" smtClean="0"/>
+          </a:p>
+          <a:p>
+            <a:r>
+              <a:rPr lang="en-US" sz="1600" dirty="0" err="1" smtClean="0"/>
+              <a:t>docker</a:t>
+            </a:r>
+            <a:r>
+              <a:rPr lang="en-US" sz="1600" dirty="0" smtClean="0"/>
+              <a:t>-compose </a:t>
+            </a:r>
+            <a:r>
+              <a:rPr lang="en-US" sz="1600" dirty="0" err="1" smtClean="0"/>
+              <a:t>unpause</a:t>
+            </a:r>
+            <a:endParaRPr lang="en-US" sz="1600" dirty="0" smtClean="0"/>
+          </a:p>
+          <a:p>
+            <a:pPr lvl="1"/>
+            <a:r>
+              <a:rPr lang="en-US" sz="1200" dirty="0"/>
+              <a:t>This command will </a:t>
+            </a:r>
+            <a:r>
+              <a:rPr lang="en-US" sz="1200" dirty="0" err="1"/>
+              <a:t>unpause</a:t>
+            </a:r>
+            <a:r>
+              <a:rPr lang="en-US" sz="1200" dirty="0"/>
+              <a:t> the Container, which are in </a:t>
+            </a:r>
+            <a:r>
+              <a:rPr lang="en-US" sz="1200" dirty="0" err="1"/>
+              <a:t>docker-compose.yml</a:t>
+            </a:r>
+            <a:r>
+              <a:rPr lang="en-US" sz="1200" dirty="0"/>
+              <a:t> file</a:t>
+            </a:r>
+            <a:r>
+              <a:rPr lang="en-US" sz="1200" dirty="0" smtClean="0"/>
+              <a:t>.</a:t>
+            </a:r>
+            <a:endParaRPr lang="en-US" sz="1600" dirty="0" smtClean="0"/>
+          </a:p>
+          <a:p>
+            <a:r>
+              <a:rPr lang="en-US" sz="1600" dirty="0" err="1"/>
+              <a:t>d</a:t>
+            </a:r>
+            <a:r>
+              <a:rPr lang="en-US" sz="1600" dirty="0" err="1" smtClean="0"/>
+              <a:t>ocker</a:t>
+            </a:r>
+            <a:r>
+              <a:rPr lang="en-US" sz="1600" dirty="0" smtClean="0"/>
+              <a:t>-compose </a:t>
+            </a:r>
+            <a:r>
+              <a:rPr lang="en-US" sz="1600" dirty="0" err="1" smtClean="0"/>
+              <a:t>ps</a:t>
+            </a:r>
+            <a:endParaRPr lang="en-US" sz="1600" dirty="0" smtClean="0"/>
+          </a:p>
+          <a:p>
+            <a:pPr lvl="1"/>
+            <a:r>
+              <a:rPr lang="en-US" sz="1200" dirty="0" smtClean="0"/>
+              <a:t>This command will </a:t>
+            </a:r>
+            <a:r>
+              <a:rPr lang="en-US" sz="1200" dirty="0"/>
+              <a:t>tell the status of all the container, which are in </a:t>
+            </a:r>
+            <a:r>
+              <a:rPr lang="en-US" sz="1200" dirty="0" err="1"/>
+              <a:t>docker</a:t>
+            </a:r>
+            <a:r>
+              <a:rPr lang="en-US" sz="1200" dirty="0"/>
+              <a:t>-compose </a:t>
+            </a:r>
+            <a:r>
+              <a:rPr lang="en-US" sz="1200" dirty="0" smtClean="0"/>
+              <a:t>file.</a:t>
+            </a:r>
+          </a:p>
+          <a:p>
+            <a:r>
+              <a:rPr lang="en-US" sz="1600" dirty="0" err="1"/>
+              <a:t>d</a:t>
+            </a:r>
+            <a:r>
+              <a:rPr lang="en-US" sz="1600" dirty="0" err="1" smtClean="0"/>
+              <a:t>ocker</a:t>
+            </a:r>
+            <a:r>
+              <a:rPr lang="en-US" sz="1600" dirty="0" smtClean="0"/>
+              <a:t>-compose kill</a:t>
+            </a:r>
+          </a:p>
+          <a:p>
+            <a:pPr lvl="1"/>
+            <a:r>
+              <a:rPr lang="en-US" sz="1200" dirty="0"/>
+              <a:t>This </a:t>
+            </a:r>
+            <a:r>
+              <a:rPr lang="en-US" sz="1200" dirty="0" smtClean="0"/>
+              <a:t>command will </a:t>
+            </a:r>
+            <a:r>
+              <a:rPr lang="en-US" sz="1200" dirty="0"/>
+              <a:t>kill the containers, which are in </a:t>
+            </a:r>
+            <a:r>
+              <a:rPr lang="en-US" sz="1200" dirty="0" err="1"/>
+              <a:t>docker</a:t>
+            </a:r>
+            <a:r>
+              <a:rPr lang="en-US" sz="1200" dirty="0"/>
+              <a:t>-compose file</a:t>
+            </a:r>
+            <a:r>
+              <a:rPr lang="en-US" sz="1200" dirty="0" smtClean="0"/>
+              <a:t>.</a:t>
+            </a:r>
+          </a:p>
+          <a:p>
+            <a:r>
+              <a:rPr lang="en-US" sz="1600" dirty="0" err="1" smtClean="0"/>
+              <a:t>docker</a:t>
+            </a:r>
+            <a:r>
+              <a:rPr lang="en-US" sz="1600" dirty="0" smtClean="0"/>
+              <a:t>-compose </a:t>
+            </a:r>
+            <a:r>
+              <a:rPr lang="en-US" sz="1600" dirty="0"/>
+              <a:t>port &lt;</a:t>
+            </a:r>
+            <a:r>
+              <a:rPr lang="en-US" sz="1600" dirty="0" err="1"/>
+              <a:t>service_name</a:t>
+            </a:r>
+            <a:r>
+              <a:rPr lang="en-US" sz="1600" dirty="0"/>
+              <a:t>&gt; &lt;</a:t>
+            </a:r>
+            <a:r>
+              <a:rPr lang="en-US" sz="1600" dirty="0" err="1"/>
+              <a:t>port_number</a:t>
+            </a:r>
+            <a:r>
+              <a:rPr lang="en-US" sz="1600" dirty="0" smtClean="0"/>
+              <a:t>&gt;</a:t>
+            </a:r>
+          </a:p>
+          <a:p>
+            <a:r>
+              <a:rPr lang="en-US" sz="1600" dirty="0" err="1" smtClean="0"/>
+              <a:t>docker</a:t>
+            </a:r>
+            <a:r>
+              <a:rPr lang="en-US" sz="1600" dirty="0" smtClean="0"/>
+              <a:t>-compose </a:t>
+            </a:r>
+            <a:r>
+              <a:rPr lang="en-US" sz="1600" dirty="0"/>
+              <a:t>port </a:t>
+            </a:r>
+            <a:r>
+              <a:rPr lang="en-US" sz="1600" dirty="0" err="1"/>
+              <a:t>my_nginx</a:t>
+            </a:r>
+            <a:r>
+              <a:rPr lang="en-US" sz="1600" dirty="0"/>
+              <a:t> 80</a:t>
+            </a:r>
+            <a:endParaRPr lang="en-US" sz="1600" dirty="0" smtClean="0"/>
+          </a:p>
+          <a:p>
+            <a:pPr lvl="1"/>
+            <a:r>
+              <a:rPr lang="en-US" sz="1200" dirty="0" smtClean="0"/>
+              <a:t>This command </a:t>
+            </a:r>
+            <a:r>
+              <a:rPr lang="en-US" sz="1200" dirty="0"/>
+              <a:t>will tell </a:t>
+            </a:r>
+            <a:r>
+              <a:rPr lang="en-US" sz="1200" dirty="0" smtClean="0"/>
+              <a:t>which </a:t>
+            </a:r>
+            <a:r>
+              <a:rPr lang="en-US" sz="1200" dirty="0"/>
+              <a:t>host port is mapped to my port 80 of </a:t>
+            </a:r>
+            <a:r>
+              <a:rPr lang="en-US" sz="1200" dirty="0" err="1"/>
+              <a:t>my_nginx</a:t>
+            </a:r>
+            <a:r>
+              <a:rPr lang="en-US" sz="1200" dirty="0" smtClean="0"/>
+              <a:t>.</a:t>
+            </a:r>
+          </a:p>
+          <a:p>
+            <a:r>
+              <a:rPr lang="en-US" sz="1600" dirty="0" err="1" smtClean="0"/>
+              <a:t>docker</a:t>
+            </a:r>
+            <a:r>
+              <a:rPr lang="en-US" sz="1600" dirty="0" smtClean="0"/>
+              <a:t>-compose </a:t>
+            </a:r>
+            <a:r>
+              <a:rPr lang="en-US" sz="1600" dirty="0"/>
+              <a:t>logs –f</a:t>
+            </a:r>
+            <a:endParaRPr lang="en-US" sz="1600" dirty="0" smtClean="0"/>
+          </a:p>
+          <a:p>
+            <a:pPr lvl="1"/>
+            <a:r>
+              <a:rPr lang="en-US" sz="1200" dirty="0" smtClean="0"/>
+              <a:t>This </a:t>
+            </a:r>
+            <a:r>
+              <a:rPr lang="en-US" sz="1200" dirty="0"/>
+              <a:t>command will attached to the terminal. Now whatever container you will access, it will show you all the current logs</a:t>
+            </a:r>
+            <a:r>
+              <a:rPr lang="en-US" sz="1200" dirty="0" smtClean="0"/>
+              <a:t>.</a:t>
+            </a:r>
+          </a:p>
+          <a:p>
+            <a:r>
+              <a:rPr lang="en-US" sz="1600" dirty="0" err="1" smtClean="0"/>
+              <a:t>docker</a:t>
+            </a:r>
+            <a:r>
+              <a:rPr lang="en-US" sz="1600" dirty="0" smtClean="0"/>
+              <a:t>-compose </a:t>
+            </a:r>
+            <a:r>
+              <a:rPr lang="en-US" sz="1600" dirty="0"/>
+              <a:t>exec &lt;service name&gt; &lt;command</a:t>
+            </a:r>
+            <a:r>
+              <a:rPr lang="en-US" sz="1600" dirty="0" smtClean="0"/>
+              <a:t>&gt;</a:t>
+            </a:r>
+          </a:p>
+          <a:p>
+            <a:r>
+              <a:rPr lang="en-US" sz="1600" dirty="0" err="1" smtClean="0"/>
+              <a:t>d</a:t>
+            </a:r>
+            <a:r>
+              <a:rPr lang="en-US" sz="1600" dirty="0" err="1"/>
+              <a:t>ocker</a:t>
+            </a:r>
+            <a:r>
+              <a:rPr lang="en-US" sz="1600" dirty="0"/>
+              <a:t>-compose exec </a:t>
+            </a:r>
+            <a:r>
+              <a:rPr lang="en-US" sz="1600" dirty="0" err="1"/>
+              <a:t>pankaj</a:t>
+            </a:r>
+            <a:r>
+              <a:rPr lang="en-US" sz="1600" dirty="0"/>
+              <a:t> </a:t>
+            </a:r>
+            <a:r>
+              <a:rPr lang="en-US" sz="1600" dirty="0" err="1" smtClean="0"/>
+              <a:t>ls</a:t>
+            </a:r>
+            <a:endParaRPr lang="en-US" sz="1600" dirty="0" smtClean="0"/>
+          </a:p>
+          <a:p>
+            <a:pPr lvl="1"/>
+            <a:r>
+              <a:rPr lang="en-US" sz="1200" dirty="0"/>
+              <a:t>This command will execute specified command in the specified running container. And will show the output in your current screen</a:t>
+            </a:r>
+            <a:r>
+              <a:rPr lang="en-US" sz="1200" dirty="0" smtClean="0"/>
+              <a:t>.</a:t>
+            </a:r>
+          </a:p>
+          <a:p>
+            <a:r>
+              <a:rPr lang="en-US" sz="1600" dirty="0" err="1" smtClean="0"/>
+              <a:t>docker</a:t>
+            </a:r>
+            <a:r>
+              <a:rPr lang="en-US" sz="1600" dirty="0" smtClean="0"/>
+              <a:t>-compose </a:t>
+            </a:r>
+            <a:r>
+              <a:rPr lang="en-US" sz="1600" dirty="0"/>
+              <a:t>run &lt;service name&gt; &lt;command&gt;</a:t>
+            </a:r>
+          </a:p>
+          <a:p>
+            <a:r>
+              <a:rPr lang="en-US" sz="1600" dirty="0" err="1" smtClean="0"/>
+              <a:t>d</a:t>
+            </a:r>
+            <a:r>
+              <a:rPr lang="en-US" sz="1600" dirty="0" err="1"/>
+              <a:t>ocker</a:t>
+            </a:r>
+            <a:r>
+              <a:rPr lang="en-US" sz="1600" dirty="0"/>
+              <a:t>-compose run </a:t>
+            </a:r>
+            <a:r>
+              <a:rPr lang="en-US" sz="1600" dirty="0" err="1"/>
+              <a:t>pankaj</a:t>
+            </a:r>
+            <a:r>
+              <a:rPr lang="en-US" sz="1600" dirty="0"/>
+              <a:t> </a:t>
+            </a:r>
+            <a:r>
+              <a:rPr lang="en-US" sz="1600" dirty="0" err="1"/>
+              <a:t>ls</a:t>
+            </a:r>
+            <a:endParaRPr lang="en-US" sz="1600" dirty="0" smtClean="0"/>
+          </a:p>
+          <a:p>
+            <a:pPr lvl="1"/>
+            <a:r>
+              <a:rPr lang="en-US" sz="1200" dirty="0"/>
+              <a:t>This command will create a new container from </a:t>
+            </a:r>
+            <a:r>
+              <a:rPr lang="en-US" sz="1200" dirty="0" err="1"/>
+              <a:t>pankaj</a:t>
+            </a:r>
+            <a:r>
+              <a:rPr lang="en-US" sz="1200" dirty="0"/>
+              <a:t> service and execute specified command in that newly created container and finally exit from that container and display the output in your current </a:t>
+            </a:r>
+            <a:r>
+              <a:rPr lang="en-US" sz="1200" dirty="0" smtClean="0"/>
+              <a:t>screen.</a:t>
+            </a:r>
+            <a:endParaRPr lang="en-US" sz="1200" dirty="0"/>
+          </a:p>
+          <a:p>
+            <a:pPr lvl="1"/>
+            <a:endParaRPr lang="en-US" sz="800" dirty="0" smtClean="0"/>
+          </a:p>
+        </p:txBody>
+      </p:sp>
+    </p:spTree>
+    <p:extLst>
+      <p:ext uri="{BB962C8B-B14F-4D97-AF65-F5344CB8AC3E}">
+        <p14:creationId xmlns:p14="http://schemas.microsoft.com/office/powerpoint/2010/main" val="668928931"/>
+      </p:ext>
+    </p:extLst>
+  </p:cSld>
+  <p:clrMapOvr>
+    <a:masterClrMapping/>
+  </p:clrMapOvr>
+  <p:timing>
+    <p:tnLst>
+      <p:par>
+        <p:cTn id="1" dur="indefinite" restart="never" nodeType="tmRoot"/>
+      </p:par>
+    </p:tnLst>
+  </p:timing>
+</p:sld>
+</file>
+
+<file path=ppt/slides/slide34.xml><?xml version="1.0" encoding="utf-8"?>
+<p:sld xmlns:a="http://schemas.openxmlformats.org/drawingml/2006/main" xmlns:r="http://schemas.openxmlformats.org/officeDocument/2006/relationships" xmlns:p="http://schemas.openxmlformats.org/presentationml/2006/main">
+  <p:cSld>
+    <p:spTree>
+      <p:nvGrpSpPr>
+        <p:cNvPr id="1" name=""/>
+        <p:cNvGrpSpPr/>
+        <p:nvPr/>
+      </p:nvGrpSpPr>
+      <p:grpSpPr>
+        <a:xfrm>
+          <a:off x="0" y="0"/>
+          <a:ext cx="0" cy="0"/>
+          <a:chOff x="0" y="0"/>
+          <a:chExt cx="0" cy="0"/>
+        </a:xfrm>
+      </p:grpSpPr>
+      <p:sp>
+        <p:nvSpPr>
+          <p:cNvPr id="2" name="Title 1"/>
+          <p:cNvSpPr>
+            <a:spLocks noGrp="1"/>
+          </p:cNvSpPr>
+          <p:nvPr>
+            <p:ph type="title"/>
+          </p:nvPr>
+        </p:nvSpPr>
+        <p:spPr>
+          <a:xfrm>
+            <a:off x="457200" y="274638"/>
+            <a:ext cx="8229600" cy="715962"/>
+          </a:xfrm>
+        </p:spPr>
+        <p:txBody>
+          <a:bodyPr>
+            <a:normAutofit/>
+          </a:bodyPr>
+          <a:lstStyle/>
+          <a:p>
+            <a:r>
+              <a:rPr lang="en-US" sz="4000" dirty="0" err="1" smtClean="0"/>
+              <a:t>Docker</a:t>
+            </a:r>
+            <a:r>
+              <a:rPr lang="en-US" sz="4000" dirty="0" smtClean="0"/>
+              <a:t> Compose Commands</a:t>
+            </a:r>
+            <a:endParaRPr lang="en-US" sz="4000" dirty="0"/>
+          </a:p>
+        </p:txBody>
+      </p:sp>
+      <p:sp>
+        <p:nvSpPr>
+          <p:cNvPr id="3" name="Content Placeholder 2"/>
+          <p:cNvSpPr>
+            <a:spLocks noGrp="1"/>
+          </p:cNvSpPr>
+          <p:nvPr>
+            <p:ph idx="1"/>
+          </p:nvPr>
+        </p:nvSpPr>
+        <p:spPr>
+          <a:xfrm>
+            <a:off x="457200" y="990600"/>
+            <a:ext cx="8229600" cy="5668963"/>
+          </a:xfrm>
+        </p:spPr>
+        <p:txBody>
+          <a:bodyPr>
+            <a:normAutofit/>
+          </a:bodyPr>
+          <a:lstStyle/>
+          <a:p>
+            <a:r>
+              <a:rPr lang="en-US" sz="1600" dirty="0" err="1" smtClean="0"/>
+              <a:t>docker</a:t>
+            </a:r>
+            <a:r>
+              <a:rPr lang="en-US" sz="1600" dirty="0" smtClean="0"/>
+              <a:t>-compose </a:t>
+            </a:r>
+            <a:r>
+              <a:rPr lang="en-US" sz="1600" dirty="0"/>
+              <a:t>restart</a:t>
+            </a:r>
+            <a:endParaRPr lang="en-US" sz="1600" dirty="0" smtClean="0"/>
+          </a:p>
+          <a:p>
+            <a:pPr lvl="1"/>
+            <a:r>
+              <a:rPr lang="en-US" sz="1200" dirty="0"/>
+              <a:t>This command will restart the container</a:t>
+            </a:r>
+            <a:r>
+              <a:rPr lang="en-US" sz="1200" dirty="0" smtClean="0"/>
+              <a:t>.</a:t>
+            </a:r>
+          </a:p>
+          <a:p>
+            <a:r>
+              <a:rPr lang="en-US" sz="1600" dirty="0" err="1" smtClean="0"/>
+              <a:t>docker</a:t>
+            </a:r>
+            <a:r>
+              <a:rPr lang="en-US" sz="1600" dirty="0" smtClean="0"/>
+              <a:t>-compose </a:t>
+            </a:r>
+            <a:r>
+              <a:rPr lang="en-US" sz="1600" dirty="0"/>
+              <a:t>pull</a:t>
+            </a:r>
+            <a:endParaRPr lang="en-US" sz="1600" dirty="0" smtClean="0"/>
+          </a:p>
+          <a:p>
+            <a:pPr lvl="1"/>
+            <a:r>
+              <a:rPr lang="en-US" sz="1200" dirty="0"/>
+              <a:t>This command will only pull the image from </a:t>
+            </a:r>
+            <a:r>
+              <a:rPr lang="en-US" sz="1200" dirty="0" err="1"/>
+              <a:t>docker</a:t>
+            </a:r>
+            <a:r>
+              <a:rPr lang="en-US" sz="1200" dirty="0"/>
+              <a:t> hub</a:t>
+            </a:r>
+            <a:r>
+              <a:rPr lang="en-US" sz="1200" dirty="0" smtClean="0"/>
+              <a:t>.</a:t>
+            </a:r>
+          </a:p>
+          <a:p>
+            <a:r>
+              <a:rPr lang="en-US" sz="1600" dirty="0" err="1" smtClean="0"/>
+              <a:t>docker</a:t>
+            </a:r>
+            <a:r>
+              <a:rPr lang="en-US" sz="1600" dirty="0" smtClean="0"/>
+              <a:t>-compose </a:t>
+            </a:r>
+            <a:r>
+              <a:rPr lang="en-US" sz="1600" dirty="0"/>
+              <a:t>scale &lt;service name=no of new container&gt; &lt;service name=no of new container</a:t>
+            </a:r>
+            <a:r>
+              <a:rPr lang="en-US" sz="1600" dirty="0" smtClean="0"/>
+              <a:t>&gt;</a:t>
+            </a:r>
+          </a:p>
+          <a:p>
+            <a:r>
+              <a:rPr lang="en-US" sz="1600" dirty="0" err="1" smtClean="0"/>
+              <a:t>Docker</a:t>
+            </a:r>
+            <a:r>
+              <a:rPr lang="en-US" sz="1600" dirty="0" smtClean="0"/>
+              <a:t>-compose </a:t>
+            </a:r>
+            <a:r>
+              <a:rPr lang="en-US" sz="1600" dirty="0"/>
+              <a:t>scale </a:t>
+            </a:r>
+            <a:r>
+              <a:rPr lang="en-US" sz="1600" dirty="0" err="1"/>
+              <a:t>pankaj</a:t>
+            </a:r>
+            <a:r>
+              <a:rPr lang="en-US" sz="1600" dirty="0"/>
+              <a:t>=4 </a:t>
+            </a:r>
+            <a:r>
+              <a:rPr lang="en-US" sz="1600" dirty="0" err="1"/>
+              <a:t>gupta</a:t>
+            </a:r>
+            <a:r>
+              <a:rPr lang="en-US" sz="1600" dirty="0"/>
+              <a:t>=1</a:t>
+            </a:r>
+            <a:endParaRPr lang="en-US" sz="1600" dirty="0" smtClean="0"/>
+          </a:p>
+          <a:p>
+            <a:pPr lvl="1"/>
+            <a:r>
+              <a:rPr lang="en-US" sz="1200" dirty="0"/>
+              <a:t>This command will create new container of the specified service as the number specified. We can specify as many service and as many numbers.</a:t>
+            </a:r>
+            <a:endParaRPr lang="en-US" sz="1600" dirty="0" smtClean="0"/>
+          </a:p>
+          <a:p>
+            <a:r>
+              <a:rPr lang="en-US" sz="1600" dirty="0" err="1"/>
+              <a:t>d</a:t>
+            </a:r>
+            <a:r>
+              <a:rPr lang="en-US" sz="1600" dirty="0" err="1" smtClean="0"/>
+              <a:t>ocker</a:t>
+            </a:r>
+            <a:r>
+              <a:rPr lang="en-US" sz="1600" dirty="0" smtClean="0"/>
+              <a:t>-compose top</a:t>
+            </a:r>
+          </a:p>
+          <a:p>
+            <a:pPr lvl="1"/>
+            <a:r>
+              <a:rPr lang="en-US" sz="1200" dirty="0" smtClean="0"/>
+              <a:t>This command will </a:t>
+            </a:r>
+            <a:r>
+              <a:rPr lang="en-US" sz="1200" dirty="0"/>
+              <a:t>tell the running process inside running container</a:t>
+            </a:r>
+            <a:r>
+              <a:rPr lang="en-US" sz="1200" dirty="0" smtClean="0"/>
+              <a:t>.</a:t>
+            </a:r>
+          </a:p>
+          <a:p>
+            <a:r>
+              <a:rPr lang="en-US" sz="1600" dirty="0" err="1" smtClean="0"/>
+              <a:t>docker</a:t>
+            </a:r>
+            <a:r>
+              <a:rPr lang="en-US" sz="1600" dirty="0" smtClean="0"/>
+              <a:t>-compose</a:t>
+            </a:r>
+            <a:endParaRPr lang="en-US" sz="1200" dirty="0"/>
+          </a:p>
+          <a:p>
+            <a:pPr lvl="1"/>
+            <a:endParaRPr lang="en-US" sz="800" dirty="0" smtClean="0"/>
+          </a:p>
+        </p:txBody>
+      </p:sp>
+    </p:spTree>
+    <p:extLst>
+      <p:ext uri="{BB962C8B-B14F-4D97-AF65-F5344CB8AC3E}">
+        <p14:creationId xmlns:p14="http://schemas.microsoft.com/office/powerpoint/2010/main" val="3372391575"/>
+      </p:ext>
+    </p:extLst>
+  </p:cSld>
+  <p:clrMapOvr>
+    <a:masterClrMapping/>
+  </p:clrMapOvr>
+  <p:timing>
+    <p:tnLst>
+      <p:par>
+        <p:cTn id="1" dur="indefinite" restart="never" nodeType="tmRoot"/>
+      </p:par>
+    </p:tnLst>
+  </p:timing>
+</p:sld>
+</file>
+
+<file path=ppt/slides/slide35.xml><?xml version="1.0" encoding="utf-8"?>
+<p:sld xmlns:a="http://schemas.openxmlformats.org/drawingml/2006/main" xmlns:r="http://schemas.openxmlformats.org/officeDocument/2006/relationships" xmlns:p="http://schemas.openxmlformats.org/presentationml/2006/main">
+  <p:cSld>
+    <p:spTree>
+      <p:nvGrpSpPr>
+        <p:cNvPr id="1" name=""/>
+        <p:cNvGrpSpPr/>
+        <p:nvPr/>
+      </p:nvGrpSpPr>
+      <p:grpSpPr>
+        <a:xfrm>
+          <a:off x="0" y="0"/>
+          <a:ext cx="0" cy="0"/>
+          <a:chOff x="0" y="0"/>
+          <a:chExt cx="0" cy="0"/>
+        </a:xfrm>
+      </p:grpSpPr>
+      <p:sp>
+        <p:nvSpPr>
+          <p:cNvPr id="2" name="Title 1"/>
+          <p:cNvSpPr>
+            <a:spLocks noGrp="1"/>
+          </p:cNvSpPr>
+          <p:nvPr>
+            <p:ph type="title"/>
+          </p:nvPr>
+        </p:nvSpPr>
+        <p:spPr>
+          <a:xfrm>
+            <a:off x="457200" y="274638"/>
+            <a:ext cx="8229600" cy="715962"/>
+          </a:xfrm>
+        </p:spPr>
+        <p:txBody>
+          <a:bodyPr>
+            <a:normAutofit/>
+          </a:bodyPr>
+          <a:lstStyle/>
+          <a:p>
+            <a:r>
+              <a:rPr lang="en-US" sz="4000" dirty="0" err="1" smtClean="0"/>
+              <a:t>Docker</a:t>
+            </a:r>
+            <a:r>
+              <a:rPr lang="en-US" sz="4000" dirty="0" smtClean="0"/>
+              <a:t> Compose Example</a:t>
+            </a:r>
+            <a:endParaRPr lang="en-US" sz="4000" dirty="0"/>
+          </a:p>
+        </p:txBody>
+      </p:sp>
+      <p:sp>
+        <p:nvSpPr>
+          <p:cNvPr id="3" name="Content Placeholder 2"/>
+          <p:cNvSpPr>
+            <a:spLocks noGrp="1"/>
+          </p:cNvSpPr>
+          <p:nvPr>
+            <p:ph idx="1"/>
+          </p:nvPr>
+        </p:nvSpPr>
+        <p:spPr>
+          <a:xfrm>
+            <a:off x="457200" y="990600"/>
+            <a:ext cx="8229600" cy="5668963"/>
+          </a:xfrm>
+        </p:spPr>
+        <p:txBody>
+          <a:bodyPr>
+            <a:normAutofit/>
+          </a:bodyPr>
+          <a:lstStyle/>
+          <a:p>
+            <a:pPr marL="0" indent="0">
+              <a:buNone/>
+            </a:pPr>
+            <a:r>
+              <a:rPr lang="en-US" sz="1800" dirty="0"/>
+              <a:t>v</a:t>
+            </a:r>
+            <a:r>
+              <a:rPr lang="en-US" sz="1800" dirty="0" smtClean="0"/>
+              <a:t>ersion: ‘2’</a:t>
+            </a:r>
+          </a:p>
+          <a:p>
+            <a:pPr marL="0" indent="0">
+              <a:buNone/>
+            </a:pPr>
+            <a:r>
+              <a:rPr lang="en-US" sz="1800" dirty="0" smtClean="0"/>
+              <a:t>services:</a:t>
+            </a:r>
+          </a:p>
+          <a:p>
+            <a:pPr marL="0" indent="0">
+              <a:buNone/>
+            </a:pPr>
+            <a:r>
+              <a:rPr lang="en-US" sz="1800" dirty="0" smtClean="0"/>
+              <a:t>     database:</a:t>
+            </a:r>
+          </a:p>
+          <a:p>
+            <a:pPr marL="0" indent="0">
+              <a:buNone/>
+            </a:pPr>
+            <a:r>
+              <a:rPr lang="en-US" sz="1800" dirty="0" smtClean="0"/>
+              <a:t>          image: </a:t>
+            </a:r>
+            <a:r>
+              <a:rPr lang="en-US" sz="1800" dirty="0" err="1" smtClean="0"/>
+              <a:t>mysql</a:t>
+            </a:r>
+            <a:endParaRPr lang="en-US" sz="1800" dirty="0" smtClean="0"/>
+          </a:p>
+          <a:p>
+            <a:pPr marL="0" indent="0">
+              <a:buNone/>
+            </a:pPr>
+            <a:r>
+              <a:rPr lang="en-US" sz="1800" dirty="0" smtClean="0"/>
+              <a:t>          ports:</a:t>
+            </a:r>
+          </a:p>
+          <a:p>
+            <a:pPr marL="0" indent="0">
+              <a:buNone/>
+            </a:pPr>
+            <a:r>
+              <a:rPr lang="en-US" sz="1800" dirty="0"/>
+              <a:t> </a:t>
+            </a:r>
+            <a:r>
+              <a:rPr lang="en-US" sz="1800" dirty="0" smtClean="0"/>
+              <a:t>         - “3306:3306”</a:t>
+            </a:r>
+          </a:p>
+          <a:p>
+            <a:pPr marL="0" indent="0">
+              <a:buNone/>
+            </a:pPr>
+            <a:r>
+              <a:rPr lang="en-US" sz="1800" dirty="0" smtClean="0"/>
+              <a:t>          environment:</a:t>
+            </a:r>
+          </a:p>
+          <a:p>
+            <a:pPr marL="0" indent="0">
+              <a:buNone/>
+            </a:pPr>
+            <a:r>
+              <a:rPr lang="en-US" sz="1800" dirty="0" smtClean="0"/>
+              <a:t>          - MYSQL_ROOT_PASSWORD=password</a:t>
+            </a:r>
+          </a:p>
+          <a:p>
+            <a:pPr marL="0" indent="0">
+              <a:buNone/>
+            </a:pPr>
+            <a:r>
+              <a:rPr lang="en-US" sz="1800" dirty="0" smtClean="0"/>
+              <a:t>          - MYSQL_USER=user</a:t>
+            </a:r>
+          </a:p>
+          <a:p>
+            <a:pPr marL="0" indent="0">
+              <a:buNone/>
+            </a:pPr>
+            <a:r>
+              <a:rPr lang="en-US" sz="1800" dirty="0"/>
+              <a:t> </a:t>
+            </a:r>
+            <a:r>
+              <a:rPr lang="en-US" sz="1800" dirty="0" smtClean="0"/>
+              <a:t>         - MYSQL_PASSWORD=password</a:t>
+            </a:r>
+          </a:p>
+          <a:p>
+            <a:pPr marL="0" indent="0">
+              <a:buNone/>
+            </a:pPr>
+            <a:r>
+              <a:rPr lang="en-US" sz="1800" dirty="0"/>
+              <a:t> </a:t>
+            </a:r>
+            <a:r>
+              <a:rPr lang="en-US" sz="1800" dirty="0" smtClean="0"/>
+              <a:t>         - MYSQL_DATABASE=demo</a:t>
+            </a:r>
+          </a:p>
+          <a:p>
+            <a:pPr marL="0" indent="0">
+              <a:buNone/>
+            </a:pPr>
+            <a:r>
+              <a:rPr lang="en-US" sz="1800" dirty="0"/>
+              <a:t> </a:t>
+            </a:r>
+            <a:r>
+              <a:rPr lang="en-US" sz="1800" dirty="0" smtClean="0"/>
+              <a:t>    web:</a:t>
+            </a:r>
+          </a:p>
+          <a:p>
+            <a:pPr marL="0" indent="0">
+              <a:buNone/>
+            </a:pPr>
+            <a:r>
+              <a:rPr lang="en-US" sz="1800" dirty="0"/>
+              <a:t> </a:t>
+            </a:r>
+            <a:r>
+              <a:rPr lang="en-US" sz="1800" dirty="0" smtClean="0"/>
+              <a:t>         image: </a:t>
+            </a:r>
+            <a:r>
+              <a:rPr lang="en-US" sz="1800" dirty="0" err="1" smtClean="0"/>
+              <a:t>nginx</a:t>
+            </a:r>
+            <a:endParaRPr lang="en-US" sz="1800" dirty="0" smtClean="0"/>
+          </a:p>
+          <a:p>
+            <a:pPr marL="0" indent="0">
+              <a:buNone/>
+            </a:pPr>
+            <a:r>
+              <a:rPr lang="en-US" sz="1800" dirty="0"/>
+              <a:t> </a:t>
+            </a:r>
+            <a:r>
+              <a:rPr lang="en-US" sz="1800" dirty="0" smtClean="0"/>
+              <a:t>         </a:t>
+            </a:r>
+          </a:p>
+          <a:p>
+            <a:pPr marL="0" indent="0">
+              <a:buNone/>
+            </a:pPr>
+            <a:endParaRPr lang="en-US" sz="1800" dirty="0" smtClean="0"/>
+          </a:p>
+        </p:txBody>
+      </p:sp>
+    </p:spTree>
+    <p:extLst>
+      <p:ext uri="{BB962C8B-B14F-4D97-AF65-F5344CB8AC3E}">
+        <p14:creationId xmlns:p14="http://schemas.microsoft.com/office/powerpoint/2010/main" val="1157692367"/>
+      </p:ext>
+    </p:extLst>
+  </p:cSld>
+  <p:clrMapOvr>
+    <a:masterClrMapping/>
+  </p:clrMapOvr>
+  <p:timing>
+    <p:tnLst>
+      <p:par>
+        <p:cTn id="1" dur="indefinite" restart="never" nodeType="tmRoot"/>
+      </p:par>
+    </p:tnLst>
+  </p:timing>
+</p:sld>
+</file>
+
+<file path=ppt/slides/slide36.xml><?xml version="1.0" encoding="utf-8"?>
+<p:sld xmlns:a="http://schemas.openxmlformats.org/drawingml/2006/main" xmlns:r="http://schemas.openxmlformats.org/officeDocument/2006/relationships" xmlns:p="http://schemas.openxmlformats.org/presentationml/2006/main">
+  <p:cSld>
+    <p:spTree>
+      <p:nvGrpSpPr>
+        <p:cNvPr id="1" name=""/>
+        <p:cNvGrpSpPr/>
+        <p:nvPr/>
+      </p:nvGrpSpPr>
+      <p:grpSpPr>
+        <a:xfrm>
+          <a:off x="0" y="0"/>
+          <a:ext cx="0" cy="0"/>
+          <a:chOff x="0" y="0"/>
+          <a:chExt cx="0" cy="0"/>
+        </a:xfrm>
+      </p:grpSpPr>
+      <p:sp>
+        <p:nvSpPr>
+          <p:cNvPr id="2" name="Title 1"/>
+          <p:cNvSpPr>
+            <a:spLocks noGrp="1"/>
+          </p:cNvSpPr>
+          <p:nvPr>
+            <p:ph type="title"/>
+          </p:nvPr>
+        </p:nvSpPr>
+        <p:spPr>
+          <a:xfrm>
+            <a:off x="457200" y="274638"/>
+            <a:ext cx="8229600" cy="715962"/>
+          </a:xfrm>
+        </p:spPr>
+        <p:txBody>
+          <a:bodyPr>
+            <a:normAutofit/>
+          </a:bodyPr>
+          <a:lstStyle/>
+          <a:p>
+            <a:r>
+              <a:rPr lang="en-US" sz="4000" dirty="0" err="1" smtClean="0"/>
+              <a:t>Docker</a:t>
+            </a:r>
+            <a:r>
+              <a:rPr lang="en-US" sz="4000" dirty="0" smtClean="0"/>
+              <a:t> </a:t>
+            </a:r>
+            <a:r>
+              <a:rPr lang="en-US" sz="4000" dirty="0" smtClean="0"/>
+              <a:t>Swarm </a:t>
+            </a:r>
+            <a:r>
+              <a:rPr lang="en-US" sz="4000" dirty="0" smtClean="0"/>
+              <a:t>Commands</a:t>
+            </a:r>
+            <a:endParaRPr lang="en-US" sz="4000" dirty="0"/>
+          </a:p>
+        </p:txBody>
+      </p:sp>
+      <p:sp>
+        <p:nvSpPr>
+          <p:cNvPr id="3" name="Content Placeholder 2"/>
+          <p:cNvSpPr>
+            <a:spLocks noGrp="1"/>
+          </p:cNvSpPr>
+          <p:nvPr>
+            <p:ph idx="1"/>
+          </p:nvPr>
+        </p:nvSpPr>
+        <p:spPr>
+          <a:xfrm>
+            <a:off x="457200" y="960437"/>
+            <a:ext cx="8229600" cy="5668963"/>
+          </a:xfrm>
+        </p:spPr>
+        <p:txBody>
+          <a:bodyPr>
+            <a:normAutofit fontScale="92500" lnSpcReduction="10000"/>
+          </a:bodyPr>
+          <a:lstStyle/>
+          <a:p>
+            <a:r>
+              <a:rPr lang="en-US" sz="1600" dirty="0" err="1" smtClean="0"/>
+              <a:t>docker</a:t>
+            </a:r>
+            <a:r>
+              <a:rPr lang="en-US" sz="1600" dirty="0" smtClean="0"/>
+              <a:t> </a:t>
+            </a:r>
+            <a:r>
+              <a:rPr lang="en-US" sz="1600" dirty="0"/>
+              <a:t>service create &lt;image name&gt; &lt;command</a:t>
+            </a:r>
+            <a:r>
+              <a:rPr lang="en-US" sz="1600" dirty="0" smtClean="0"/>
+              <a:t>&gt;</a:t>
+            </a:r>
+          </a:p>
+          <a:p>
+            <a:r>
+              <a:rPr lang="en-US" sz="1600" dirty="0" err="1"/>
+              <a:t>docker</a:t>
+            </a:r>
+            <a:r>
+              <a:rPr lang="en-US" sz="1600" dirty="0"/>
+              <a:t> service create alpine ping 1.1.1.1</a:t>
+            </a:r>
+            <a:endParaRPr lang="en-US" sz="1600" dirty="0" smtClean="0"/>
+          </a:p>
+          <a:p>
+            <a:pPr lvl="1"/>
+            <a:r>
+              <a:rPr lang="en-US" sz="1200" dirty="0"/>
+              <a:t>This command will </a:t>
+            </a:r>
+            <a:r>
+              <a:rPr lang="en-US" sz="1200" dirty="0" smtClean="0"/>
+              <a:t>create service with the specified image. Service is like container.</a:t>
+            </a:r>
+            <a:endParaRPr lang="en-US" sz="1200" dirty="0" smtClean="0"/>
+          </a:p>
+          <a:p>
+            <a:r>
+              <a:rPr lang="en-US" sz="1600" dirty="0" err="1" smtClean="0"/>
+              <a:t>docker</a:t>
+            </a:r>
+            <a:r>
+              <a:rPr lang="en-US" sz="1600" dirty="0" smtClean="0"/>
+              <a:t> </a:t>
+            </a:r>
+            <a:r>
+              <a:rPr lang="en-US" sz="1600" dirty="0"/>
+              <a:t>service create -d --replicas 4 alpine ping 1.1.1.1</a:t>
+            </a:r>
+            <a:endParaRPr lang="en-US" sz="1600" dirty="0" smtClean="0"/>
+          </a:p>
+          <a:p>
+            <a:pPr lvl="1"/>
+            <a:r>
+              <a:rPr lang="en-US" sz="1200" dirty="0"/>
+              <a:t>This command will </a:t>
+            </a:r>
+            <a:r>
+              <a:rPr lang="en-US" sz="1200" dirty="0" smtClean="0"/>
+              <a:t>create alpine and it 4 replicas. –d option is to run in background.</a:t>
+            </a:r>
+            <a:endParaRPr lang="en-US" sz="1200" dirty="0" smtClean="0"/>
+          </a:p>
+          <a:p>
+            <a:r>
+              <a:rPr lang="en-US" sz="1600" dirty="0" err="1" smtClean="0"/>
+              <a:t>docker</a:t>
+            </a:r>
+            <a:r>
+              <a:rPr lang="en-US" sz="1600" dirty="0" smtClean="0"/>
+              <a:t> </a:t>
+            </a:r>
+            <a:r>
+              <a:rPr lang="en-US" sz="1600" dirty="0"/>
+              <a:t>service create -d -p 8000:80 </a:t>
+            </a:r>
+            <a:r>
+              <a:rPr lang="en-US" sz="1600" dirty="0" err="1"/>
+              <a:t>nginx</a:t>
+            </a:r>
+            <a:endParaRPr lang="en-US" sz="1600" dirty="0" smtClean="0"/>
+          </a:p>
+          <a:p>
+            <a:pPr lvl="1"/>
+            <a:r>
+              <a:rPr lang="en-US" sz="1200" dirty="0"/>
+              <a:t>This command will </a:t>
+            </a:r>
+            <a:r>
+              <a:rPr lang="en-US" sz="1200" dirty="0" smtClean="0"/>
+              <a:t>create </a:t>
+            </a:r>
+            <a:r>
+              <a:rPr lang="en-US" sz="1200" dirty="0" err="1" smtClean="0"/>
+              <a:t>nginx</a:t>
+            </a:r>
+            <a:r>
+              <a:rPr lang="en-US" sz="1200" dirty="0" smtClean="0"/>
+              <a:t> service and map the port.</a:t>
+            </a:r>
+            <a:endParaRPr lang="en-US" sz="1600" dirty="0" smtClean="0"/>
+          </a:p>
+          <a:p>
+            <a:r>
+              <a:rPr lang="en-US" sz="1600" dirty="0" err="1" smtClean="0"/>
+              <a:t>docker</a:t>
+            </a:r>
+            <a:r>
+              <a:rPr lang="en-US" sz="1600" dirty="0" smtClean="0"/>
+              <a:t> </a:t>
+            </a:r>
+            <a:r>
+              <a:rPr lang="en-US" sz="1600" dirty="0"/>
+              <a:t>service create --mode=global 8000:80 </a:t>
+            </a:r>
+            <a:r>
+              <a:rPr lang="en-US" sz="1600" dirty="0" err="1"/>
+              <a:t>nginx</a:t>
+            </a:r>
+            <a:endParaRPr lang="en-US" sz="1600" dirty="0" smtClean="0"/>
+          </a:p>
+          <a:p>
+            <a:pPr lvl="1"/>
+            <a:r>
+              <a:rPr lang="en-US" sz="1200" dirty="0" smtClean="0"/>
+              <a:t>This command will </a:t>
+            </a:r>
+            <a:r>
+              <a:rPr lang="en-US" sz="1200" dirty="0" smtClean="0"/>
+              <a:t>run </a:t>
+            </a:r>
+            <a:r>
+              <a:rPr lang="en-US" sz="1200" dirty="0" err="1"/>
+              <a:t>nginx</a:t>
+            </a:r>
+            <a:r>
+              <a:rPr lang="en-US" sz="1200" dirty="0"/>
+              <a:t> service on each host. If you add a new server then automatically </a:t>
+            </a:r>
+            <a:r>
+              <a:rPr lang="en-US" sz="1200" dirty="0" err="1"/>
+              <a:t>nginx</a:t>
+            </a:r>
+            <a:r>
+              <a:rPr lang="en-US" sz="1200" dirty="0"/>
+              <a:t> service will be activated on that new added </a:t>
+            </a:r>
+            <a:r>
+              <a:rPr lang="en-US" sz="1200" dirty="0" smtClean="0"/>
+              <a:t>server.</a:t>
+            </a:r>
+            <a:endParaRPr lang="en-US" sz="1200" dirty="0" smtClean="0"/>
+          </a:p>
+          <a:p>
+            <a:r>
+              <a:rPr lang="en-US" sz="1600" dirty="0" err="1" smtClean="0"/>
+              <a:t>docker</a:t>
+            </a:r>
+            <a:r>
+              <a:rPr lang="en-US" sz="1600" dirty="0" smtClean="0"/>
+              <a:t> </a:t>
+            </a:r>
+            <a:r>
+              <a:rPr lang="en-US" sz="1600" dirty="0"/>
+              <a:t>service create --replicas=3 --constraint='</a:t>
+            </a:r>
+            <a:r>
+              <a:rPr lang="en-US" sz="1600" dirty="0" err="1"/>
+              <a:t>node.role</a:t>
+            </a:r>
+            <a:r>
+              <a:rPr lang="en-US" sz="1600" dirty="0"/>
+              <a:t>==manager' alpine ping 1.1.1.1</a:t>
+            </a:r>
+            <a:endParaRPr lang="en-US" sz="1600" dirty="0" smtClean="0"/>
+          </a:p>
+          <a:p>
+            <a:pPr lvl="1"/>
+            <a:r>
+              <a:rPr lang="en-US" sz="1200" dirty="0"/>
+              <a:t>This </a:t>
+            </a:r>
+            <a:r>
+              <a:rPr lang="en-US" sz="1200" dirty="0" smtClean="0"/>
+              <a:t>command will </a:t>
+            </a:r>
+            <a:r>
+              <a:rPr lang="en-US" sz="1200" dirty="0"/>
+              <a:t>create containers only on manager.</a:t>
+            </a:r>
+            <a:endParaRPr lang="en-US" sz="1200" dirty="0" smtClean="0"/>
+          </a:p>
+          <a:p>
+            <a:r>
+              <a:rPr lang="en-US" sz="1600" dirty="0" err="1" smtClean="0"/>
+              <a:t>docker</a:t>
+            </a:r>
+            <a:r>
+              <a:rPr lang="en-US" sz="1600" dirty="0" smtClean="0"/>
+              <a:t> service </a:t>
+            </a:r>
+            <a:r>
+              <a:rPr lang="en-US" sz="1600" dirty="0"/>
+              <a:t>create --replicas=3 --constraint='</a:t>
+            </a:r>
+            <a:r>
+              <a:rPr lang="en-US" sz="1600" dirty="0" err="1"/>
+              <a:t>node.role</a:t>
+            </a:r>
+            <a:r>
+              <a:rPr lang="en-US" sz="1600" dirty="0"/>
+              <a:t>==worker' alpine ping </a:t>
+            </a:r>
+            <a:r>
+              <a:rPr lang="en-US" sz="1600" dirty="0" smtClean="0"/>
+              <a:t>1.1.1.1</a:t>
+            </a:r>
+            <a:endParaRPr lang="en-US" sz="1600" dirty="0" smtClean="0"/>
+          </a:p>
+          <a:p>
+            <a:pPr lvl="1"/>
+            <a:r>
+              <a:rPr lang="en-US" sz="1200" dirty="0" smtClean="0"/>
+              <a:t>This command </a:t>
+            </a:r>
+            <a:r>
+              <a:rPr lang="en-US" sz="1200" dirty="0"/>
+              <a:t>will </a:t>
+            </a:r>
+            <a:r>
+              <a:rPr lang="en-US" sz="1200" dirty="0"/>
+              <a:t>create containers only on worker.</a:t>
+            </a:r>
+            <a:endParaRPr lang="en-US" sz="1200" dirty="0" smtClean="0"/>
+          </a:p>
+          <a:p>
+            <a:r>
+              <a:rPr lang="en-US" sz="1600" dirty="0" err="1" smtClean="0"/>
+              <a:t>docker</a:t>
+            </a:r>
+            <a:r>
+              <a:rPr lang="en-US" sz="1600" dirty="0" smtClean="0"/>
+              <a:t> </a:t>
+            </a:r>
+            <a:r>
+              <a:rPr lang="en-US" sz="1600" dirty="0"/>
+              <a:t>service </a:t>
+            </a:r>
+            <a:r>
+              <a:rPr lang="en-US" sz="1600" dirty="0" err="1"/>
+              <a:t>ls</a:t>
+            </a:r>
+            <a:endParaRPr lang="en-US" sz="1600" dirty="0" smtClean="0"/>
+          </a:p>
+          <a:p>
+            <a:pPr lvl="1"/>
+            <a:r>
+              <a:rPr lang="en-US" sz="1200" dirty="0" smtClean="0"/>
+              <a:t>This </a:t>
+            </a:r>
+            <a:r>
+              <a:rPr lang="en-US" sz="1200" dirty="0"/>
+              <a:t>command will </a:t>
+            </a:r>
+            <a:r>
+              <a:rPr lang="en-US" sz="1200" dirty="0" smtClean="0"/>
+              <a:t>list all the services.</a:t>
+            </a:r>
+            <a:endParaRPr lang="en-US" sz="1200" dirty="0" smtClean="0"/>
+          </a:p>
+          <a:p>
+            <a:r>
+              <a:rPr lang="en-US" sz="1600" dirty="0" err="1" smtClean="0"/>
+              <a:t>docker</a:t>
+            </a:r>
+            <a:r>
+              <a:rPr lang="en-US" sz="1600" dirty="0" smtClean="0"/>
+              <a:t> </a:t>
+            </a:r>
+            <a:r>
+              <a:rPr lang="en-US" sz="1600" dirty="0" smtClean="0"/>
+              <a:t>service </a:t>
+            </a:r>
+            <a:r>
+              <a:rPr lang="en-US" sz="1600" dirty="0"/>
+              <a:t>inspect &lt;service name&gt;</a:t>
+            </a:r>
+            <a:endParaRPr lang="en-US" sz="1600" dirty="0" smtClean="0"/>
+          </a:p>
+          <a:p>
+            <a:pPr lvl="1"/>
+            <a:r>
+              <a:rPr lang="en-US" sz="1200" dirty="0"/>
+              <a:t>This command will </a:t>
+            </a:r>
+            <a:r>
+              <a:rPr lang="en-US" sz="1200" dirty="0" smtClean="0"/>
+              <a:t>inspect the service.</a:t>
+            </a:r>
+            <a:endParaRPr lang="en-US" sz="1200" dirty="0" smtClean="0"/>
+          </a:p>
+          <a:p>
+            <a:r>
+              <a:rPr lang="en-US" sz="1600" dirty="0" err="1" smtClean="0"/>
+              <a:t>docker</a:t>
+            </a:r>
+            <a:r>
+              <a:rPr lang="en-US" sz="1600" dirty="0" smtClean="0"/>
+              <a:t> </a:t>
+            </a:r>
+            <a:r>
+              <a:rPr lang="en-US" sz="1600" dirty="0"/>
+              <a:t>service logs &lt;service name</a:t>
+            </a:r>
+            <a:r>
+              <a:rPr lang="en-US" sz="1600" dirty="0" smtClean="0"/>
+              <a:t>&gt;</a:t>
+            </a:r>
+          </a:p>
+          <a:p>
+            <a:pPr lvl="1"/>
+            <a:r>
+              <a:rPr lang="en-US" sz="1200" dirty="0" smtClean="0"/>
+              <a:t>This </a:t>
+            </a:r>
+            <a:r>
+              <a:rPr lang="en-US" sz="1200" dirty="0" err="1" smtClean="0"/>
+              <a:t>comand</a:t>
+            </a:r>
+            <a:r>
+              <a:rPr lang="en-US" sz="1200" dirty="0" smtClean="0"/>
+              <a:t> will show logs of specified service.</a:t>
+            </a:r>
+            <a:endParaRPr lang="en-US" sz="1200" dirty="0"/>
+          </a:p>
+          <a:p>
+            <a:r>
+              <a:rPr lang="en-US" sz="1600" dirty="0" err="1" smtClean="0"/>
+              <a:t>docker</a:t>
+            </a:r>
+            <a:r>
+              <a:rPr lang="en-US" sz="1600" dirty="0" smtClean="0"/>
+              <a:t> </a:t>
+            </a:r>
+            <a:r>
+              <a:rPr lang="en-US" sz="1600" dirty="0"/>
+              <a:t>service scale &lt;service id&gt;=&lt;no of replicas</a:t>
+            </a:r>
+            <a:r>
+              <a:rPr lang="en-US" sz="1600" dirty="0" smtClean="0"/>
+              <a:t>&gt;</a:t>
+            </a:r>
+          </a:p>
+          <a:p>
+            <a:pPr lvl="1"/>
+            <a:r>
+              <a:rPr lang="en-US" sz="1200" dirty="0" smtClean="0"/>
+              <a:t>This service wil</a:t>
+            </a:r>
+            <a:r>
+              <a:rPr lang="en-US" sz="1200" dirty="0" smtClean="0"/>
+              <a:t>l increate no of replicas of specified service.</a:t>
+            </a:r>
+            <a:endParaRPr lang="en-US" sz="1200" dirty="0" smtClean="0"/>
+          </a:p>
+          <a:p>
+            <a:r>
+              <a:rPr lang="en-US" sz="1600" dirty="0" err="1" smtClean="0"/>
+              <a:t>docker</a:t>
+            </a:r>
+            <a:r>
+              <a:rPr lang="en-US" sz="1600" dirty="0" smtClean="0"/>
+              <a:t> service </a:t>
+            </a:r>
+            <a:r>
+              <a:rPr lang="en-US" sz="1600" dirty="0" err="1" smtClean="0"/>
+              <a:t>ps</a:t>
+            </a:r>
+            <a:r>
+              <a:rPr lang="en-US" sz="1600" dirty="0"/>
+              <a:t> &lt;service name/id&gt;</a:t>
+            </a:r>
+            <a:endParaRPr lang="en-US" sz="1600" dirty="0" smtClean="0"/>
+          </a:p>
+          <a:p>
+            <a:pPr lvl="1"/>
+            <a:r>
+              <a:rPr lang="en-US" sz="1200" dirty="0"/>
+              <a:t>This command will </a:t>
+            </a:r>
+            <a:r>
+              <a:rPr lang="en-US" sz="1200" dirty="0" smtClean="0"/>
+              <a:t>show the status of specified service.</a:t>
+            </a:r>
+            <a:endParaRPr lang="en-US" sz="1200" dirty="0"/>
+          </a:p>
+          <a:p>
+            <a:pPr lvl="1"/>
+            <a:endParaRPr lang="en-US" sz="800" dirty="0" smtClean="0"/>
+          </a:p>
+        </p:txBody>
+      </p:sp>
+    </p:spTree>
+    <p:extLst>
+      <p:ext uri="{BB962C8B-B14F-4D97-AF65-F5344CB8AC3E}">
+        <p14:creationId xmlns:p14="http://schemas.microsoft.com/office/powerpoint/2010/main" val="2029388904"/>
+      </p:ext>
+    </p:extLst>
+  </p:cSld>
+  <p:clrMapOvr>
+    <a:masterClrMapping/>
+  </p:clrMapOvr>
+  <p:timing>
+    <p:tnLst>
+      <p:par>
+        <p:cTn id="1" dur="indefinite" restart="never" nodeType="tmRoot"/>
+      </p:par>
+    </p:tnLst>
+  </p:timing>
+</p:sld>
+</file>
+
+<file path=ppt/slides/slide37.xml><?xml version="1.0" encoding="utf-8"?>
+<p:sld xmlns:a="http://schemas.openxmlformats.org/drawingml/2006/main" xmlns:r="http://schemas.openxmlformats.org/officeDocument/2006/relationships" xmlns:p="http://schemas.openxmlformats.org/presentationml/2006/main">
+  <p:cSld>
+    <p:spTree>
+      <p:nvGrpSpPr>
+        <p:cNvPr id="1" name=""/>
+        <p:cNvGrpSpPr/>
+        <p:nvPr/>
+      </p:nvGrpSpPr>
+      <p:grpSpPr>
+        <a:xfrm>
+          <a:off x="0" y="0"/>
+          <a:ext cx="0" cy="0"/>
+          <a:chOff x="0" y="0"/>
+          <a:chExt cx="0" cy="0"/>
+        </a:xfrm>
+      </p:grpSpPr>
+      <p:sp>
+        <p:nvSpPr>
+          <p:cNvPr id="2" name="Title 1"/>
+          <p:cNvSpPr>
+            <a:spLocks noGrp="1"/>
+          </p:cNvSpPr>
+          <p:nvPr>
+            <p:ph type="ctrTitle"/>
+          </p:nvPr>
+        </p:nvSpPr>
+        <p:spPr/>
+        <p:txBody>
+          <a:bodyPr/>
+          <a:lstStyle/>
+          <a:p>
+            <a:r>
+              <a:rPr lang="en-US" dirty="0" smtClean="0"/>
+              <a:t>Thanks</a:t>
+            </a:r>
+            <a:endParaRPr lang="en-US" dirty="0"/>
+          </a:p>
+        </p:txBody>
+      </p:sp>
+    </p:spTree>
+    <p:extLst>
+      <p:ext uri="{BB962C8B-B14F-4D97-AF65-F5344CB8AC3E}">
+        <p14:creationId xmlns:p14="http://schemas.microsoft.com/office/powerpoint/2010/main" val="911753239"/>
       </p:ext>
     </p:extLst>
   </p:cSld>
@@ -8469,4 +12777,289 @@
   <a:objectDefaults/>
   <a:extraClrSchemeLst/>
 </a:theme>
+</file>
+
+<file path=ppt/theme/theme2.xml><?xml version="1.0" encoding="utf-8"?>
+<a:theme xmlns:a="http://schemas.openxmlformats.org/drawingml/2006/main" name="Office Theme">
+  <a:themeElements>
+    <a:clrScheme name="Office">
+      <a:dk1>
+        <a:sysClr val="windowText" lastClr="000000"/>
+      </a:dk1>
+      <a:lt1>
+        <a:sysClr val="window" lastClr="FFFFFF"/>
+      </a:lt1>
+      <a:dk2>
+        <a:srgbClr val="1F497D"/>
+      </a:dk2>
+      <a:lt2>
+        <a:srgbClr val="EEECE1"/>
+      </a:lt2>
+      <a:accent1>
+        <a:srgbClr val="4F81BD"/>
+      </a:accent1>
+      <a:accent2>
+        <a:srgbClr val="C0504D"/>
+      </a:accent2>
+      <a:accent3>
+        <a:srgbClr val="9BBB59"/>
+      </a:accent3>
+      <a:accent4>
+        <a:srgbClr val="8064A2"/>
+      </a:accent4>
+      <a:accent5>
+        <a:srgbClr val="4BACC6"/>
+      </a:accent5>
+      <a:accent6>
+        <a:srgbClr val="F79646"/>
+      </a:accent6>
+      <a:hlink>
+        <a:srgbClr val="0000FF"/>
+      </a:hlink>
+      <a:folHlink>
+        <a:srgbClr val="800080"/>
+      </a:folHlink>
+    </a:clrScheme>
+    <a:fontScheme name="Office">
+      <a:majorFont>
+        <a:latin typeface="Calibri"/>
+        <a:ea typeface=""/>
+        <a:cs typeface=""/>
+        <a:font script="Jpan" typeface="ＭＳ Ｐゴシック"/>
+        <a:font script="Hang" typeface="맑은 고딕"/>
+        <a:font script="Hans" typeface="宋体"/>
+        <a:font script="Hant" typeface="新細明體"/>
+        <a:font script="Arab" typeface="Times New Roman"/>
+        <a:font script="Hebr" typeface="Times New Roman"/>
+        <a:font script="Thai" typeface="Angsana New"/>
+        <a:font script="Ethi" typeface="Nyala"/>
+        <a:font script="Beng" typeface="Vrinda"/>
+        <a:font script="Gujr" typeface="Shruti"/>
+        <a:font script="Khmr" typeface="MoolBoran"/>
+        <a:font script="Knda" typeface="Tunga"/>
+        <a:font script="Guru" typeface="Raavi"/>
+        <a:font script="Cans" typeface="Euphemia"/>
+        <a:font script="Cher" typeface="Plantagenet Cherokee"/>
+        <a:font script="Yiii" typeface="Microsoft Yi Baiti"/>
+        <a:font script="Tibt" typeface="Microsoft Himalaya"/>
+        <a:font script="Thaa" typeface="MV Boli"/>
+        <a:font script="Deva" typeface="Mangal"/>
+        <a:font script="Telu" typeface="Gautami"/>
+        <a:font script="Taml" typeface="Latha"/>
+        <a:font script="Syrc" typeface="Estrangelo Edessa"/>
+        <a:font script="Orya" typeface="Kalinga"/>
+        <a:font script="Mlym" typeface="Kartika"/>
+        <a:font script="Laoo" typeface="DokChampa"/>
+        <a:font script="Sinh" typeface="Iskoola Pota"/>
+        <a:font script="Mong" typeface="Mongolian Baiti"/>
+        <a:font script="Viet" typeface="Times New Roman"/>
+        <a:font script="Uigh" typeface="Microsoft Uighur"/>
+        <a:font script="Geor" typeface="Sylfaen"/>
+      </a:majorFont>
+      <a:minorFont>
+        <a:latin typeface="Calibri"/>
+        <a:ea typeface=""/>
+        <a:cs typeface=""/>
+        <a:font script="Jpan" typeface="ＭＳ Ｐゴシック"/>
+        <a:font script="Hang" typeface="맑은 고딕"/>
+        <a:font script="Hans" typeface="宋体"/>
+        <a:font script="Hant" typeface="新細明體"/>
+        <a:font script="Arab" typeface="Arial"/>
+        <a:font script="Hebr" typeface="Arial"/>
+        <a:font script="Thai" typeface="Cordia New"/>
+        <a:font script="Ethi" typeface="Nyala"/>
+        <a:font script="Beng" typeface="Vrinda"/>
+        <a:font script="Gujr" typeface="Shruti"/>
+        <a:font script="Khmr" typeface="DaunPenh"/>
+        <a:font script="Knda" typeface="Tunga"/>
+        <a:font script="Guru" typeface="Raavi"/>
+        <a:font script="Cans" typeface="Euphemia"/>
+        <a:font script="Cher" typeface="Plantagenet Cherokee"/>
+        <a:font script="Yiii" typeface="Microsoft Yi Baiti"/>
+        <a:font script="Tibt" typeface="Microsoft Himalaya"/>
+        <a:font script="Thaa" typeface="MV Boli"/>
+        <a:font script="Deva" typeface="Mangal"/>
+        <a:font script="Telu" typeface="Gautami"/>
+        <a:font script="Taml" typeface="Latha"/>
+        <a:font script="Syrc" typeface="Estrangelo Edessa"/>
+        <a:font script="Orya" typeface="Kalinga"/>
+        <a:font script="Mlym" typeface="Kartika"/>
+        <a:font script="Laoo" typeface="DokChampa"/>
+        <a:font script="Sinh" typeface="Iskoola Pota"/>
+        <a:font script="Mong" typeface="Mongolian Baiti"/>
+        <a:font script="Viet" typeface="Arial"/>
+        <a:font script="Uigh" typeface="Microsoft Uighur"/>
+        <a:font script="Geor" typeface="Sylfaen"/>
+      </a:minorFont>
+    </a:fontScheme>
+    <a:fmtScheme name="Office">
+      <a:fillStyleLst>
+        <a:solidFill>
+          <a:schemeClr val="phClr"/>
+        </a:solidFill>
+        <a:gradFill rotWithShape="1">
+          <a:gsLst>
+            <a:gs pos="0">
+              <a:schemeClr val="phClr">
+                <a:tint val="50000"/>
+                <a:satMod val="300000"/>
+              </a:schemeClr>
+            </a:gs>
+            <a:gs pos="35000">
+              <a:schemeClr val="phClr">
+                <a:tint val="37000"/>
+                <a:satMod val="300000"/>
+              </a:schemeClr>
+            </a:gs>
+            <a:gs pos="100000">
+              <a:schemeClr val="phClr">
+                <a:tint val="15000"/>
+                <a:satMod val="350000"/>
+              </a:schemeClr>
+            </a:gs>
+          </a:gsLst>
+          <a:lin ang="16200000" scaled="1"/>
+        </a:gradFill>
+        <a:gradFill rotWithShape="1">
+          <a:gsLst>
+            <a:gs pos="0">
+              <a:schemeClr val="phClr">
+                <a:shade val="51000"/>
+                <a:satMod val="130000"/>
+              </a:schemeClr>
+            </a:gs>
+            <a:gs pos="80000">
+              <a:schemeClr val="phClr">
+                <a:shade val="93000"/>
+                <a:satMod val="130000"/>
+              </a:schemeClr>
+            </a:gs>
+            <a:gs pos="100000">
+              <a:schemeClr val="phClr">
+                <a:shade val="94000"/>
+                <a:satMod val="135000"/>
+              </a:schemeClr>
+            </a:gs>
+          </a:gsLst>
+          <a:lin ang="16200000" scaled="0"/>
+        </a:gradFill>
+      </a:fillStyleLst>
+      <a:lnStyleLst>
+        <a:ln w="9525" cap="flat" cmpd="sng" algn="ctr">
+          <a:solidFill>
+            <a:schemeClr val="phClr">
+              <a:shade val="95000"/>
+              <a:satMod val="105000"/>
+            </a:schemeClr>
+          </a:solidFill>
+          <a:prstDash val="solid"/>
+        </a:ln>
+        <a:ln w="25400" cap="flat" cmpd="sng" algn="ctr">
+          <a:solidFill>
+            <a:schemeClr val="phClr"/>
+          </a:solidFill>
+          <a:prstDash val="solid"/>
+        </a:ln>
+        <a:ln w="38100" cap="flat" cmpd="sng" algn="ctr">
+          <a:solidFill>
+            <a:schemeClr val="phClr"/>
+          </a:solidFill>
+          <a:prstDash val="solid"/>
+        </a:ln>
+      </a:lnStyleLst>
+      <a:effectStyleLst>
+        <a:effectStyle>
+          <a:effectLst>
+            <a:outerShdw blurRad="40000" dist="20000" dir="5400000" rotWithShape="0">
+              <a:srgbClr val="000000">
+                <a:alpha val="38000"/>
+              </a:srgbClr>
+            </a:outerShdw>
+          </a:effectLst>
+        </a:effectStyle>
+        <a:effectStyle>
+          <a:effectLst>
+            <a:outerShdw blurRad="40000" dist="23000" dir="5400000" rotWithShape="0">
+              <a:srgbClr val="000000">
+                <a:alpha val="35000"/>
+              </a:srgbClr>
+            </a:outerShdw>
+          </a:effectLst>
+        </a:effectStyle>
+        <a:effectStyle>
+          <a:effectLst>
+            <a:outerShdw blurRad="40000" dist="23000" dir="5400000" rotWithShape="0">
+              <a:srgbClr val="000000">
+                <a:alpha val="35000"/>
+              </a:srgbClr>
+            </a:outerShdw>
+          </a:effectLst>
+          <a:scene3d>
+            <a:camera prst="orthographicFront">
+              <a:rot lat="0" lon="0" rev="0"/>
+            </a:camera>
+            <a:lightRig rig="threePt" dir="t">
+              <a:rot lat="0" lon="0" rev="1200000"/>
+            </a:lightRig>
+          </a:scene3d>
+          <a:sp3d>
+            <a:bevelT w="63500" h="25400"/>
+          </a:sp3d>
+        </a:effectStyle>
+      </a:effectStyleLst>
+      <a:bgFillStyleLst>
+        <a:solidFill>
+          <a:schemeClr val="phClr"/>
+        </a:solidFill>
+        <a:gradFill rotWithShape="1">
+          <a:gsLst>
+            <a:gs pos="0">
+              <a:schemeClr val="phClr">
+                <a:tint val="40000"/>
+                <a:satMod val="350000"/>
+              </a:schemeClr>
+            </a:gs>
+            <a:gs pos="40000">
+              <a:schemeClr val="phClr">
+                <a:tint val="45000"/>
+                <a:shade val="99000"/>
+                <a:satMod val="350000"/>
+              </a:schemeClr>
+            </a:gs>
+            <a:gs pos="100000">
+              <a:schemeClr val="phClr">
+                <a:shade val="20000"/>
+                <a:satMod val="255000"/>
+              </a:schemeClr>
+            </a:gs>
+          </a:gsLst>
+          <a:path path="circle">
+            <a:fillToRect l="50000" t="-80000" r="50000" b="180000"/>
+          </a:path>
+        </a:gradFill>
+        <a:gradFill rotWithShape="1">
+          <a:gsLst>
+            <a:gs pos="0">
+              <a:schemeClr val="phClr">
+                <a:tint val="80000"/>
+                <a:satMod val="300000"/>
+              </a:schemeClr>
+            </a:gs>
+            <a:gs pos="100000">
+              <a:schemeClr val="phClr">
+                <a:shade val="30000"/>
+                <a:satMod val="200000"/>
+              </a:schemeClr>
+            </a:gs>
+          </a:gsLst>
+          <a:path path="circle">
+            <a:fillToRect l="50000" t="50000" r="50000" b="50000"/>
+          </a:path>
+        </a:gradFill>
+      </a:bgFillStyleLst>
+    </a:fmtScheme>
+  </a:themeElements>
+  <a:objectDefaults/>
+  <a:extraClrSchemeLst/>
+</a:theme>
 </file>